--- a/editing_images/QU.pptx
+++ b/editing_images/QU.pptx
@@ -6,6 +6,7 @@
   </p:sldMasterIdLst>
   <p:sldIdLst>
     <p:sldId id="258" r:id="rId2"/>
+    <p:sldId id="259" r:id="rId3"/>
   </p:sldIdLst>
   <p:sldSz cx="12192000" cy="6858000"/>
   <p:notesSz cx="6858000" cy="9144000"/>
@@ -106,7 +107,7 @@
   </p:defaultTextStyle>
   <p:extLst>
     <p:ext uri="{EFAFB233-063F-42B5-8137-9DF3F51BA10A}">
-      <p15:sldGuideLst xmlns:p15="http://schemas.microsoft.com/office/powerpoint/2012/main" xmlns=""/>
+      <p15:sldGuideLst xmlns="" xmlns:p15="http://schemas.microsoft.com/office/powerpoint/2012/main"/>
     </p:ext>
   </p:extLst>
 </p:presentation>
@@ -243,7 +244,7 @@
           <a:p>
             <a:fld id="{1C291F5E-7805-493D-933B-7F99144BC585}" type="datetimeFigureOut">
               <a:rPr lang="en-US" smtClean="0"/>
-              <a:t>5/17/2018</a:t>
+              <a:t>7/15/2018</a:t>
             </a:fld>
             <a:endParaRPr lang="en-US"/>
           </a:p>
@@ -413,7 +414,7 @@
           <a:p>
             <a:fld id="{1C291F5E-7805-493D-933B-7F99144BC585}" type="datetimeFigureOut">
               <a:rPr lang="en-US" smtClean="0"/>
-              <a:t>5/17/2018</a:t>
+              <a:t>7/15/2018</a:t>
             </a:fld>
             <a:endParaRPr lang="en-US"/>
           </a:p>
@@ -593,7 +594,7 @@
           <a:p>
             <a:fld id="{1C291F5E-7805-493D-933B-7F99144BC585}" type="datetimeFigureOut">
               <a:rPr lang="en-US" smtClean="0"/>
-              <a:t>5/17/2018</a:t>
+              <a:t>7/15/2018</a:t>
             </a:fld>
             <a:endParaRPr lang="en-US"/>
           </a:p>
@@ -763,7 +764,7 @@
           <a:p>
             <a:fld id="{1C291F5E-7805-493D-933B-7F99144BC585}" type="datetimeFigureOut">
               <a:rPr lang="en-US" smtClean="0"/>
-              <a:t>5/17/2018</a:t>
+              <a:t>7/15/2018</a:t>
             </a:fld>
             <a:endParaRPr lang="en-US"/>
           </a:p>
@@ -1009,7 +1010,7 @@
           <a:p>
             <a:fld id="{1C291F5E-7805-493D-933B-7F99144BC585}" type="datetimeFigureOut">
               <a:rPr lang="en-US" smtClean="0"/>
-              <a:t>5/17/2018</a:t>
+              <a:t>7/15/2018</a:t>
             </a:fld>
             <a:endParaRPr lang="en-US"/>
           </a:p>
@@ -1241,7 +1242,7 @@
           <a:p>
             <a:fld id="{1C291F5E-7805-493D-933B-7F99144BC585}" type="datetimeFigureOut">
               <a:rPr lang="en-US" smtClean="0"/>
-              <a:t>5/17/2018</a:t>
+              <a:t>7/15/2018</a:t>
             </a:fld>
             <a:endParaRPr lang="en-US"/>
           </a:p>
@@ -1608,7 +1609,7 @@
           <a:p>
             <a:fld id="{1C291F5E-7805-493D-933B-7F99144BC585}" type="datetimeFigureOut">
               <a:rPr lang="en-US" smtClean="0"/>
-              <a:t>5/17/2018</a:t>
+              <a:t>7/15/2018</a:t>
             </a:fld>
             <a:endParaRPr lang="en-US"/>
           </a:p>
@@ -1726,7 +1727,7 @@
           <a:p>
             <a:fld id="{1C291F5E-7805-493D-933B-7F99144BC585}" type="datetimeFigureOut">
               <a:rPr lang="en-US" smtClean="0"/>
-              <a:t>5/17/2018</a:t>
+              <a:t>7/15/2018</a:t>
             </a:fld>
             <a:endParaRPr lang="en-US"/>
           </a:p>
@@ -1821,7 +1822,7 @@
           <a:p>
             <a:fld id="{1C291F5E-7805-493D-933B-7F99144BC585}" type="datetimeFigureOut">
               <a:rPr lang="en-US" smtClean="0"/>
-              <a:t>5/17/2018</a:t>
+              <a:t>7/15/2018</a:t>
             </a:fld>
             <a:endParaRPr lang="en-US"/>
           </a:p>
@@ -2098,7 +2099,7 @@
           <a:p>
             <a:fld id="{1C291F5E-7805-493D-933B-7F99144BC585}" type="datetimeFigureOut">
               <a:rPr lang="en-US" smtClean="0"/>
-              <a:t>5/17/2018</a:t>
+              <a:t>7/15/2018</a:t>
             </a:fld>
             <a:endParaRPr lang="en-US"/>
           </a:p>
@@ -2351,7 +2352,7 @@
           <a:p>
             <a:fld id="{1C291F5E-7805-493D-933B-7F99144BC585}" type="datetimeFigureOut">
               <a:rPr lang="en-US" smtClean="0"/>
-              <a:t>5/17/2018</a:t>
+              <a:t>7/15/2018</a:t>
             </a:fld>
             <a:endParaRPr lang="en-US"/>
           </a:p>
@@ -2564,7 +2565,7 @@
           <a:p>
             <a:fld id="{1C291F5E-7805-493D-933B-7F99144BC585}" type="datetimeFigureOut">
               <a:rPr lang="en-US" smtClean="0"/>
-              <a:t>5/17/2018</a:t>
+              <a:t>7/15/2018</a:t>
             </a:fld>
             <a:endParaRPr lang="en-US"/>
           </a:p>
@@ -8279,6 +8280,5578 @@
 </p:sld>
 </file>
 
+<file path=ppt/slides/slide2.xml><?xml version="1.0" encoding="utf-8"?>
+<p:sld xmlns:a="http://schemas.openxmlformats.org/drawingml/2006/main" xmlns:r="http://schemas.openxmlformats.org/officeDocument/2006/relationships" xmlns:p="http://schemas.openxmlformats.org/presentationml/2006/main">
+  <p:cSld>
+    <p:spTree>
+      <p:nvGrpSpPr>
+        <p:cNvPr id="1" name=""/>
+        <p:cNvGrpSpPr/>
+        <p:nvPr/>
+      </p:nvGrpSpPr>
+      <p:grpSpPr>
+        <a:xfrm>
+          <a:off x="0" y="0"/>
+          <a:ext cx="0" cy="0"/>
+          <a:chOff x="0" y="0"/>
+          <a:chExt cx="0" cy="0"/>
+        </a:xfrm>
+      </p:grpSpPr>
+      <p:grpSp>
+        <p:nvGrpSpPr>
+          <p:cNvPr id="3" name="Group 2"/>
+          <p:cNvGrpSpPr/>
+          <p:nvPr/>
+        </p:nvGrpSpPr>
+        <p:grpSpPr>
+          <a:xfrm>
+            <a:off x="-959509" y="784828"/>
+            <a:ext cx="9702872" cy="4153639"/>
+            <a:chOff x="-959509" y="784828"/>
+            <a:chExt cx="9702872" cy="4153639"/>
+          </a:xfrm>
+        </p:grpSpPr>
+        <p:grpSp>
+          <p:nvGrpSpPr>
+            <p:cNvPr id="2" name="Group 1"/>
+            <p:cNvGrpSpPr>
+              <a:grpSpLocks/>
+            </p:cNvGrpSpPr>
+            <p:nvPr/>
+          </p:nvGrpSpPr>
+          <p:grpSpPr>
+            <a:xfrm>
+              <a:off x="6127906" y="1628625"/>
+              <a:ext cx="2615457" cy="2785107"/>
+              <a:chOff x="483284" y="1583056"/>
+              <a:chExt cx="5345553" cy="5610331"/>
+            </a:xfrm>
+          </p:grpSpPr>
+          <p:pic>
+            <p:nvPicPr>
+              <p:cNvPr id="4" name="Picture 3"/>
+              <p:cNvPicPr>
+                <a:picLocks noChangeAspect="1"/>
+              </p:cNvPicPr>
+              <p:nvPr/>
+            </p:nvPicPr>
+            <p:blipFill rotWithShape="1">
+              <a:blip r:embed="rId2" cstate="print">
+                <a:extLst>
+                  <a:ext uri="{28A0092B-C50C-407E-A947-70E740481C1C}">
+                    <a14:useLocalDpi xmlns:a14="http://schemas.microsoft.com/office/drawing/2010/main" val="0"/>
+                  </a:ext>
+                </a:extLst>
+              </a:blip>
+              <a:srcRect l="34315" t="9320" r="6168" b="5139"/>
+              <a:stretch/>
+            </p:blipFill>
+            <p:spPr>
+              <a:xfrm rot="1800000">
+                <a:off x="825573" y="1686101"/>
+                <a:ext cx="4336477" cy="3739095"/>
+              </a:xfrm>
+              <a:prstGeom prst="hexagon">
+                <a:avLst/>
+              </a:prstGeom>
+            </p:spPr>
+          </p:pic>
+          <p:grpSp>
+            <p:nvGrpSpPr>
+              <p:cNvPr id="9" name="Group 8"/>
+              <p:cNvGrpSpPr/>
+              <p:nvPr/>
+            </p:nvGrpSpPr>
+            <p:grpSpPr>
+              <a:xfrm>
+                <a:off x="2831382" y="1583056"/>
+                <a:ext cx="306388" cy="306388"/>
+                <a:chOff x="2615086" y="1678306"/>
+                <a:chExt cx="306388" cy="306388"/>
+              </a:xfrm>
+            </p:grpSpPr>
+            <p:cxnSp>
+              <p:nvCxnSpPr>
+                <p:cNvPr id="10" name="Straight Connector 9"/>
+                <p:cNvCxnSpPr/>
+                <p:nvPr/>
+              </p:nvCxnSpPr>
+              <p:spPr>
+                <a:xfrm>
+                  <a:off x="2768280" y="1678306"/>
+                  <a:ext cx="0" cy="306388"/>
+                </a:xfrm>
+                <a:prstGeom prst="line">
+                  <a:avLst/>
+                </a:prstGeom>
+                <a:ln w="28575">
+                  <a:solidFill>
+                    <a:schemeClr val="tx1"/>
+                  </a:solidFill>
+                </a:ln>
+              </p:spPr>
+              <p:style>
+                <a:lnRef idx="1">
+                  <a:schemeClr val="accent1"/>
+                </a:lnRef>
+                <a:fillRef idx="0">
+                  <a:schemeClr val="accent1"/>
+                </a:fillRef>
+                <a:effectRef idx="0">
+                  <a:schemeClr val="accent1"/>
+                </a:effectRef>
+                <a:fontRef idx="minor">
+                  <a:schemeClr val="tx1"/>
+                </a:fontRef>
+              </p:style>
+            </p:cxnSp>
+            <p:cxnSp>
+              <p:nvCxnSpPr>
+                <p:cNvPr id="11" name="Straight Connector 10"/>
+                <p:cNvCxnSpPr/>
+                <p:nvPr/>
+              </p:nvCxnSpPr>
+              <p:spPr>
+                <a:xfrm rot="16200000">
+                  <a:off x="2768280" y="1671481"/>
+                  <a:ext cx="0" cy="306388"/>
+                </a:xfrm>
+                <a:prstGeom prst="line">
+                  <a:avLst/>
+                </a:prstGeom>
+                <a:ln w="28575">
+                  <a:solidFill>
+                    <a:schemeClr val="tx1"/>
+                  </a:solidFill>
+                </a:ln>
+              </p:spPr>
+              <p:style>
+                <a:lnRef idx="1">
+                  <a:schemeClr val="accent1"/>
+                </a:lnRef>
+                <a:fillRef idx="0">
+                  <a:schemeClr val="accent1"/>
+                </a:fillRef>
+                <a:effectRef idx="0">
+                  <a:schemeClr val="accent1"/>
+                </a:effectRef>
+                <a:fontRef idx="minor">
+                  <a:schemeClr val="tx1"/>
+                </a:fontRef>
+              </p:style>
+            </p:cxnSp>
+          </p:grpSp>
+          <p:grpSp>
+            <p:nvGrpSpPr>
+              <p:cNvPr id="12" name="Group 11"/>
+              <p:cNvGrpSpPr/>
+              <p:nvPr/>
+            </p:nvGrpSpPr>
+            <p:grpSpPr>
+              <a:xfrm>
+                <a:off x="2831382" y="2033906"/>
+                <a:ext cx="306388" cy="306388"/>
+                <a:chOff x="2615086" y="1678306"/>
+                <a:chExt cx="306388" cy="306388"/>
+              </a:xfrm>
+            </p:grpSpPr>
+            <p:cxnSp>
+              <p:nvCxnSpPr>
+                <p:cNvPr id="13" name="Straight Connector 12"/>
+                <p:cNvCxnSpPr/>
+                <p:nvPr/>
+              </p:nvCxnSpPr>
+              <p:spPr>
+                <a:xfrm>
+                  <a:off x="2768280" y="1678306"/>
+                  <a:ext cx="0" cy="306388"/>
+                </a:xfrm>
+                <a:prstGeom prst="line">
+                  <a:avLst/>
+                </a:prstGeom>
+                <a:ln w="28575">
+                  <a:solidFill>
+                    <a:schemeClr val="tx1"/>
+                  </a:solidFill>
+                </a:ln>
+              </p:spPr>
+              <p:style>
+                <a:lnRef idx="1">
+                  <a:schemeClr val="accent1"/>
+                </a:lnRef>
+                <a:fillRef idx="0">
+                  <a:schemeClr val="accent1"/>
+                </a:fillRef>
+                <a:effectRef idx="0">
+                  <a:schemeClr val="accent1"/>
+                </a:effectRef>
+                <a:fontRef idx="minor">
+                  <a:schemeClr val="tx1"/>
+                </a:fontRef>
+              </p:style>
+            </p:cxnSp>
+            <p:cxnSp>
+              <p:nvCxnSpPr>
+                <p:cNvPr id="14" name="Straight Connector 13"/>
+                <p:cNvCxnSpPr/>
+                <p:nvPr/>
+              </p:nvCxnSpPr>
+              <p:spPr>
+                <a:xfrm rot="16200000">
+                  <a:off x="2768280" y="1671481"/>
+                  <a:ext cx="0" cy="306388"/>
+                </a:xfrm>
+                <a:prstGeom prst="line">
+                  <a:avLst/>
+                </a:prstGeom>
+                <a:ln w="28575">
+                  <a:solidFill>
+                    <a:schemeClr val="tx1"/>
+                  </a:solidFill>
+                </a:ln>
+              </p:spPr>
+              <p:style>
+                <a:lnRef idx="1">
+                  <a:schemeClr val="accent1"/>
+                </a:lnRef>
+                <a:fillRef idx="0">
+                  <a:schemeClr val="accent1"/>
+                </a:fillRef>
+                <a:effectRef idx="0">
+                  <a:schemeClr val="accent1"/>
+                </a:effectRef>
+                <a:fontRef idx="minor">
+                  <a:schemeClr val="tx1"/>
+                </a:fontRef>
+              </p:style>
+            </p:cxnSp>
+          </p:grpSp>
+          <p:grpSp>
+            <p:nvGrpSpPr>
+              <p:cNvPr id="15" name="Group 14"/>
+              <p:cNvGrpSpPr/>
+              <p:nvPr/>
+            </p:nvGrpSpPr>
+            <p:grpSpPr>
+              <a:xfrm>
+                <a:off x="2831382" y="2484756"/>
+                <a:ext cx="306388" cy="306388"/>
+                <a:chOff x="2615086" y="1678306"/>
+                <a:chExt cx="306388" cy="306388"/>
+              </a:xfrm>
+            </p:grpSpPr>
+            <p:cxnSp>
+              <p:nvCxnSpPr>
+                <p:cNvPr id="16" name="Straight Connector 15"/>
+                <p:cNvCxnSpPr/>
+                <p:nvPr/>
+              </p:nvCxnSpPr>
+              <p:spPr>
+                <a:xfrm>
+                  <a:off x="2768280" y="1678306"/>
+                  <a:ext cx="0" cy="306388"/>
+                </a:xfrm>
+                <a:prstGeom prst="line">
+                  <a:avLst/>
+                </a:prstGeom>
+                <a:ln w="28575">
+                  <a:solidFill>
+                    <a:schemeClr val="tx1"/>
+                  </a:solidFill>
+                </a:ln>
+              </p:spPr>
+              <p:style>
+                <a:lnRef idx="1">
+                  <a:schemeClr val="accent1"/>
+                </a:lnRef>
+                <a:fillRef idx="0">
+                  <a:schemeClr val="accent1"/>
+                </a:fillRef>
+                <a:effectRef idx="0">
+                  <a:schemeClr val="accent1"/>
+                </a:effectRef>
+                <a:fontRef idx="minor">
+                  <a:schemeClr val="tx1"/>
+                </a:fontRef>
+              </p:style>
+            </p:cxnSp>
+            <p:cxnSp>
+              <p:nvCxnSpPr>
+                <p:cNvPr id="17" name="Straight Connector 16"/>
+                <p:cNvCxnSpPr/>
+                <p:nvPr/>
+              </p:nvCxnSpPr>
+              <p:spPr>
+                <a:xfrm rot="16200000">
+                  <a:off x="2768280" y="1671481"/>
+                  <a:ext cx="0" cy="306388"/>
+                </a:xfrm>
+                <a:prstGeom prst="line">
+                  <a:avLst/>
+                </a:prstGeom>
+                <a:ln w="28575">
+                  <a:solidFill>
+                    <a:schemeClr val="tx1"/>
+                  </a:solidFill>
+                </a:ln>
+              </p:spPr>
+              <p:style>
+                <a:lnRef idx="1">
+                  <a:schemeClr val="accent1"/>
+                </a:lnRef>
+                <a:fillRef idx="0">
+                  <a:schemeClr val="accent1"/>
+                </a:fillRef>
+                <a:effectRef idx="0">
+                  <a:schemeClr val="accent1"/>
+                </a:effectRef>
+                <a:fontRef idx="minor">
+                  <a:schemeClr val="tx1"/>
+                </a:fontRef>
+              </p:style>
+            </p:cxnSp>
+          </p:grpSp>
+          <p:grpSp>
+            <p:nvGrpSpPr>
+              <p:cNvPr id="18" name="Group 17"/>
+              <p:cNvGrpSpPr/>
+              <p:nvPr/>
+            </p:nvGrpSpPr>
+            <p:grpSpPr>
+              <a:xfrm>
+                <a:off x="2831382" y="2941956"/>
+                <a:ext cx="306388" cy="306388"/>
+                <a:chOff x="2615086" y="1678306"/>
+                <a:chExt cx="306388" cy="306388"/>
+              </a:xfrm>
+            </p:grpSpPr>
+            <p:cxnSp>
+              <p:nvCxnSpPr>
+                <p:cNvPr id="19" name="Straight Connector 18"/>
+                <p:cNvCxnSpPr/>
+                <p:nvPr/>
+              </p:nvCxnSpPr>
+              <p:spPr>
+                <a:xfrm>
+                  <a:off x="2768280" y="1678306"/>
+                  <a:ext cx="0" cy="306388"/>
+                </a:xfrm>
+                <a:prstGeom prst="line">
+                  <a:avLst/>
+                </a:prstGeom>
+                <a:ln w="28575">
+                  <a:solidFill>
+                    <a:schemeClr val="tx1"/>
+                  </a:solidFill>
+                </a:ln>
+              </p:spPr>
+              <p:style>
+                <a:lnRef idx="1">
+                  <a:schemeClr val="accent1"/>
+                </a:lnRef>
+                <a:fillRef idx="0">
+                  <a:schemeClr val="accent1"/>
+                </a:fillRef>
+                <a:effectRef idx="0">
+                  <a:schemeClr val="accent1"/>
+                </a:effectRef>
+                <a:fontRef idx="minor">
+                  <a:schemeClr val="tx1"/>
+                </a:fontRef>
+              </p:style>
+            </p:cxnSp>
+            <p:cxnSp>
+              <p:nvCxnSpPr>
+                <p:cNvPr id="20" name="Straight Connector 19"/>
+                <p:cNvCxnSpPr/>
+                <p:nvPr/>
+              </p:nvCxnSpPr>
+              <p:spPr>
+                <a:xfrm rot="16200000">
+                  <a:off x="2768280" y="1671481"/>
+                  <a:ext cx="0" cy="306388"/>
+                </a:xfrm>
+                <a:prstGeom prst="line">
+                  <a:avLst/>
+                </a:prstGeom>
+                <a:ln w="28575">
+                  <a:solidFill>
+                    <a:schemeClr val="tx1"/>
+                  </a:solidFill>
+                </a:ln>
+              </p:spPr>
+              <p:style>
+                <a:lnRef idx="1">
+                  <a:schemeClr val="accent1"/>
+                </a:lnRef>
+                <a:fillRef idx="0">
+                  <a:schemeClr val="accent1"/>
+                </a:fillRef>
+                <a:effectRef idx="0">
+                  <a:schemeClr val="accent1"/>
+                </a:effectRef>
+                <a:fontRef idx="minor">
+                  <a:schemeClr val="tx1"/>
+                </a:fontRef>
+              </p:style>
+            </p:cxnSp>
+          </p:grpSp>
+          <p:grpSp>
+            <p:nvGrpSpPr>
+              <p:cNvPr id="21" name="Group 20"/>
+              <p:cNvGrpSpPr/>
+              <p:nvPr/>
+            </p:nvGrpSpPr>
+            <p:grpSpPr>
+              <a:xfrm>
+                <a:off x="2831382" y="3386456"/>
+                <a:ext cx="306388" cy="306388"/>
+                <a:chOff x="2615086" y="1678306"/>
+                <a:chExt cx="306388" cy="306388"/>
+              </a:xfrm>
+            </p:grpSpPr>
+            <p:cxnSp>
+              <p:nvCxnSpPr>
+                <p:cNvPr id="22" name="Straight Connector 21"/>
+                <p:cNvCxnSpPr/>
+                <p:nvPr/>
+              </p:nvCxnSpPr>
+              <p:spPr>
+                <a:xfrm>
+                  <a:off x="2768280" y="1678306"/>
+                  <a:ext cx="0" cy="306388"/>
+                </a:xfrm>
+                <a:prstGeom prst="line">
+                  <a:avLst/>
+                </a:prstGeom>
+                <a:ln w="28575">
+                  <a:solidFill>
+                    <a:schemeClr val="tx1"/>
+                  </a:solidFill>
+                </a:ln>
+              </p:spPr>
+              <p:style>
+                <a:lnRef idx="1">
+                  <a:schemeClr val="accent1"/>
+                </a:lnRef>
+                <a:fillRef idx="0">
+                  <a:schemeClr val="accent1"/>
+                </a:fillRef>
+                <a:effectRef idx="0">
+                  <a:schemeClr val="accent1"/>
+                </a:effectRef>
+                <a:fontRef idx="minor">
+                  <a:schemeClr val="tx1"/>
+                </a:fontRef>
+              </p:style>
+            </p:cxnSp>
+            <p:cxnSp>
+              <p:nvCxnSpPr>
+                <p:cNvPr id="23" name="Straight Connector 22"/>
+                <p:cNvCxnSpPr/>
+                <p:nvPr/>
+              </p:nvCxnSpPr>
+              <p:spPr>
+                <a:xfrm rot="16200000">
+                  <a:off x="2768280" y="1671481"/>
+                  <a:ext cx="0" cy="306388"/>
+                </a:xfrm>
+                <a:prstGeom prst="line">
+                  <a:avLst/>
+                </a:prstGeom>
+                <a:ln w="28575">
+                  <a:solidFill>
+                    <a:schemeClr val="tx1"/>
+                  </a:solidFill>
+                </a:ln>
+              </p:spPr>
+              <p:style>
+                <a:lnRef idx="1">
+                  <a:schemeClr val="accent1"/>
+                </a:lnRef>
+                <a:fillRef idx="0">
+                  <a:schemeClr val="accent1"/>
+                </a:fillRef>
+                <a:effectRef idx="0">
+                  <a:schemeClr val="accent1"/>
+                </a:effectRef>
+                <a:fontRef idx="minor">
+                  <a:schemeClr val="tx1"/>
+                </a:fontRef>
+              </p:style>
+            </p:cxnSp>
+          </p:grpSp>
+          <p:grpSp>
+            <p:nvGrpSpPr>
+              <p:cNvPr id="24" name="Group 23"/>
+              <p:cNvGrpSpPr/>
+              <p:nvPr/>
+            </p:nvGrpSpPr>
+            <p:grpSpPr>
+              <a:xfrm>
+                <a:off x="2831382" y="3831171"/>
+                <a:ext cx="306388" cy="306388"/>
+                <a:chOff x="2615086" y="1678306"/>
+                <a:chExt cx="306388" cy="306388"/>
+              </a:xfrm>
+            </p:grpSpPr>
+            <p:cxnSp>
+              <p:nvCxnSpPr>
+                <p:cNvPr id="25" name="Straight Connector 24"/>
+                <p:cNvCxnSpPr/>
+                <p:nvPr/>
+              </p:nvCxnSpPr>
+              <p:spPr>
+                <a:xfrm>
+                  <a:off x="2768280" y="1678306"/>
+                  <a:ext cx="0" cy="306388"/>
+                </a:xfrm>
+                <a:prstGeom prst="line">
+                  <a:avLst/>
+                </a:prstGeom>
+                <a:ln w="28575">
+                  <a:solidFill>
+                    <a:schemeClr val="tx1"/>
+                  </a:solidFill>
+                </a:ln>
+              </p:spPr>
+              <p:style>
+                <a:lnRef idx="1">
+                  <a:schemeClr val="accent1"/>
+                </a:lnRef>
+                <a:fillRef idx="0">
+                  <a:schemeClr val="accent1"/>
+                </a:fillRef>
+                <a:effectRef idx="0">
+                  <a:schemeClr val="accent1"/>
+                </a:effectRef>
+                <a:fontRef idx="minor">
+                  <a:schemeClr val="tx1"/>
+                </a:fontRef>
+              </p:style>
+            </p:cxnSp>
+            <p:cxnSp>
+              <p:nvCxnSpPr>
+                <p:cNvPr id="26" name="Straight Connector 25"/>
+                <p:cNvCxnSpPr/>
+                <p:nvPr/>
+              </p:nvCxnSpPr>
+              <p:spPr>
+                <a:xfrm rot="16200000">
+                  <a:off x="2768280" y="1671481"/>
+                  <a:ext cx="0" cy="306388"/>
+                </a:xfrm>
+                <a:prstGeom prst="line">
+                  <a:avLst/>
+                </a:prstGeom>
+                <a:ln w="28575">
+                  <a:solidFill>
+                    <a:schemeClr val="tx1"/>
+                  </a:solidFill>
+                </a:ln>
+              </p:spPr>
+              <p:style>
+                <a:lnRef idx="1">
+                  <a:schemeClr val="accent1"/>
+                </a:lnRef>
+                <a:fillRef idx="0">
+                  <a:schemeClr val="accent1"/>
+                </a:fillRef>
+                <a:effectRef idx="0">
+                  <a:schemeClr val="accent1"/>
+                </a:effectRef>
+                <a:fontRef idx="minor">
+                  <a:schemeClr val="tx1"/>
+                </a:fontRef>
+              </p:style>
+            </p:cxnSp>
+          </p:grpSp>
+          <p:grpSp>
+            <p:nvGrpSpPr>
+              <p:cNvPr id="27" name="Group 26"/>
+              <p:cNvGrpSpPr/>
+              <p:nvPr/>
+            </p:nvGrpSpPr>
+            <p:grpSpPr>
+              <a:xfrm>
+                <a:off x="2831382" y="4276942"/>
+                <a:ext cx="306388" cy="306388"/>
+                <a:chOff x="2615086" y="1678306"/>
+                <a:chExt cx="306388" cy="306388"/>
+              </a:xfrm>
+            </p:grpSpPr>
+            <p:cxnSp>
+              <p:nvCxnSpPr>
+                <p:cNvPr id="28" name="Straight Connector 27"/>
+                <p:cNvCxnSpPr/>
+                <p:nvPr/>
+              </p:nvCxnSpPr>
+              <p:spPr>
+                <a:xfrm>
+                  <a:off x="2768280" y="1678306"/>
+                  <a:ext cx="0" cy="306388"/>
+                </a:xfrm>
+                <a:prstGeom prst="line">
+                  <a:avLst/>
+                </a:prstGeom>
+                <a:ln w="28575">
+                  <a:solidFill>
+                    <a:schemeClr val="tx1"/>
+                  </a:solidFill>
+                </a:ln>
+              </p:spPr>
+              <p:style>
+                <a:lnRef idx="1">
+                  <a:schemeClr val="accent1"/>
+                </a:lnRef>
+                <a:fillRef idx="0">
+                  <a:schemeClr val="accent1"/>
+                </a:fillRef>
+                <a:effectRef idx="0">
+                  <a:schemeClr val="accent1"/>
+                </a:effectRef>
+                <a:fontRef idx="minor">
+                  <a:schemeClr val="tx1"/>
+                </a:fontRef>
+              </p:style>
+            </p:cxnSp>
+            <p:cxnSp>
+              <p:nvCxnSpPr>
+                <p:cNvPr id="29" name="Straight Connector 28"/>
+                <p:cNvCxnSpPr/>
+                <p:nvPr/>
+              </p:nvCxnSpPr>
+              <p:spPr>
+                <a:xfrm rot="16200000">
+                  <a:off x="2768280" y="1671481"/>
+                  <a:ext cx="0" cy="306388"/>
+                </a:xfrm>
+                <a:prstGeom prst="line">
+                  <a:avLst/>
+                </a:prstGeom>
+                <a:ln w="28575">
+                  <a:solidFill>
+                    <a:schemeClr val="tx1"/>
+                  </a:solidFill>
+                </a:ln>
+              </p:spPr>
+              <p:style>
+                <a:lnRef idx="1">
+                  <a:schemeClr val="accent1"/>
+                </a:lnRef>
+                <a:fillRef idx="0">
+                  <a:schemeClr val="accent1"/>
+                </a:fillRef>
+                <a:effectRef idx="0">
+                  <a:schemeClr val="accent1"/>
+                </a:effectRef>
+                <a:fontRef idx="minor">
+                  <a:schemeClr val="tx1"/>
+                </a:fontRef>
+              </p:style>
+            </p:cxnSp>
+          </p:grpSp>
+          <p:grpSp>
+            <p:nvGrpSpPr>
+              <p:cNvPr id="30" name="Group 29"/>
+              <p:cNvGrpSpPr/>
+              <p:nvPr/>
+            </p:nvGrpSpPr>
+            <p:grpSpPr>
+              <a:xfrm>
+                <a:off x="2831382" y="4732288"/>
+                <a:ext cx="306388" cy="306388"/>
+                <a:chOff x="2615086" y="1678306"/>
+                <a:chExt cx="306388" cy="306388"/>
+              </a:xfrm>
+            </p:grpSpPr>
+            <p:cxnSp>
+              <p:nvCxnSpPr>
+                <p:cNvPr id="31" name="Straight Connector 30"/>
+                <p:cNvCxnSpPr/>
+                <p:nvPr/>
+              </p:nvCxnSpPr>
+              <p:spPr>
+                <a:xfrm>
+                  <a:off x="2768280" y="1678306"/>
+                  <a:ext cx="0" cy="306388"/>
+                </a:xfrm>
+                <a:prstGeom prst="line">
+                  <a:avLst/>
+                </a:prstGeom>
+                <a:ln w="28575">
+                  <a:solidFill>
+                    <a:schemeClr val="tx1"/>
+                  </a:solidFill>
+                </a:ln>
+              </p:spPr>
+              <p:style>
+                <a:lnRef idx="1">
+                  <a:schemeClr val="accent1"/>
+                </a:lnRef>
+                <a:fillRef idx="0">
+                  <a:schemeClr val="accent1"/>
+                </a:fillRef>
+                <a:effectRef idx="0">
+                  <a:schemeClr val="accent1"/>
+                </a:effectRef>
+                <a:fontRef idx="minor">
+                  <a:schemeClr val="tx1"/>
+                </a:fontRef>
+              </p:style>
+            </p:cxnSp>
+            <p:cxnSp>
+              <p:nvCxnSpPr>
+                <p:cNvPr id="32" name="Straight Connector 31"/>
+                <p:cNvCxnSpPr/>
+                <p:nvPr/>
+              </p:nvCxnSpPr>
+              <p:spPr>
+                <a:xfrm rot="16200000">
+                  <a:off x="2768280" y="1671481"/>
+                  <a:ext cx="0" cy="306388"/>
+                </a:xfrm>
+                <a:prstGeom prst="line">
+                  <a:avLst/>
+                </a:prstGeom>
+                <a:ln w="28575">
+                  <a:solidFill>
+                    <a:schemeClr val="tx1"/>
+                  </a:solidFill>
+                </a:ln>
+              </p:spPr>
+              <p:style>
+                <a:lnRef idx="1">
+                  <a:schemeClr val="accent1"/>
+                </a:lnRef>
+                <a:fillRef idx="0">
+                  <a:schemeClr val="accent1"/>
+                </a:fillRef>
+                <a:effectRef idx="0">
+                  <a:schemeClr val="accent1"/>
+                </a:effectRef>
+                <a:fontRef idx="minor">
+                  <a:schemeClr val="tx1"/>
+                </a:fontRef>
+              </p:style>
+            </p:cxnSp>
+          </p:grpSp>
+          <p:grpSp>
+            <p:nvGrpSpPr>
+              <p:cNvPr id="33" name="Group 32"/>
+              <p:cNvGrpSpPr/>
+              <p:nvPr/>
+            </p:nvGrpSpPr>
+            <p:grpSpPr>
+              <a:xfrm>
+                <a:off x="2831382" y="5189488"/>
+                <a:ext cx="306388" cy="306388"/>
+                <a:chOff x="2615086" y="1678306"/>
+                <a:chExt cx="306388" cy="306388"/>
+              </a:xfrm>
+            </p:grpSpPr>
+            <p:cxnSp>
+              <p:nvCxnSpPr>
+                <p:cNvPr id="34" name="Straight Connector 33"/>
+                <p:cNvCxnSpPr/>
+                <p:nvPr/>
+              </p:nvCxnSpPr>
+              <p:spPr>
+                <a:xfrm>
+                  <a:off x="2768280" y="1678306"/>
+                  <a:ext cx="0" cy="306388"/>
+                </a:xfrm>
+                <a:prstGeom prst="line">
+                  <a:avLst/>
+                </a:prstGeom>
+                <a:ln w="28575">
+                  <a:solidFill>
+                    <a:schemeClr val="tx1"/>
+                  </a:solidFill>
+                </a:ln>
+              </p:spPr>
+              <p:style>
+                <a:lnRef idx="1">
+                  <a:schemeClr val="accent1"/>
+                </a:lnRef>
+                <a:fillRef idx="0">
+                  <a:schemeClr val="accent1"/>
+                </a:fillRef>
+                <a:effectRef idx="0">
+                  <a:schemeClr val="accent1"/>
+                </a:effectRef>
+                <a:fontRef idx="minor">
+                  <a:schemeClr val="tx1"/>
+                </a:fontRef>
+              </p:style>
+            </p:cxnSp>
+            <p:cxnSp>
+              <p:nvCxnSpPr>
+                <p:cNvPr id="35" name="Straight Connector 34"/>
+                <p:cNvCxnSpPr/>
+                <p:nvPr/>
+              </p:nvCxnSpPr>
+              <p:spPr>
+                <a:xfrm rot="16200000">
+                  <a:off x="2768280" y="1671481"/>
+                  <a:ext cx="0" cy="306388"/>
+                </a:xfrm>
+                <a:prstGeom prst="line">
+                  <a:avLst/>
+                </a:prstGeom>
+                <a:ln w="28575">
+                  <a:solidFill>
+                    <a:schemeClr val="tx1"/>
+                  </a:solidFill>
+                </a:ln>
+              </p:spPr>
+              <p:style>
+                <a:lnRef idx="1">
+                  <a:schemeClr val="accent1"/>
+                </a:lnRef>
+                <a:fillRef idx="0">
+                  <a:schemeClr val="accent1"/>
+                </a:fillRef>
+                <a:effectRef idx="0">
+                  <a:schemeClr val="accent1"/>
+                </a:effectRef>
+                <a:fontRef idx="minor">
+                  <a:schemeClr val="tx1"/>
+                </a:fontRef>
+              </p:style>
+            </p:cxnSp>
+          </p:grpSp>
+          <p:grpSp>
+            <p:nvGrpSpPr>
+              <p:cNvPr id="36" name="Group 35"/>
+              <p:cNvGrpSpPr/>
+              <p:nvPr/>
+            </p:nvGrpSpPr>
+            <p:grpSpPr>
+              <a:xfrm>
+                <a:off x="3236926" y="1822448"/>
+                <a:ext cx="281626" cy="281626"/>
+                <a:chOff x="2182967" y="1690687"/>
+                <a:chExt cx="281626" cy="281626"/>
+              </a:xfrm>
+            </p:grpSpPr>
+            <p:cxnSp>
+              <p:nvCxnSpPr>
+                <p:cNvPr id="37" name="Straight Connector 36"/>
+                <p:cNvCxnSpPr/>
+                <p:nvPr/>
+              </p:nvCxnSpPr>
+              <p:spPr>
+                <a:xfrm>
+                  <a:off x="2182967" y="1690687"/>
+                  <a:ext cx="281626" cy="281626"/>
+                </a:xfrm>
+                <a:prstGeom prst="line">
+                  <a:avLst/>
+                </a:prstGeom>
+                <a:ln w="28575">
+                  <a:solidFill>
+                    <a:srgbClr val="FF0000"/>
+                  </a:solidFill>
+                </a:ln>
+              </p:spPr>
+              <p:style>
+                <a:lnRef idx="1">
+                  <a:schemeClr val="accent1"/>
+                </a:lnRef>
+                <a:fillRef idx="0">
+                  <a:schemeClr val="accent1"/>
+                </a:fillRef>
+                <a:effectRef idx="0">
+                  <a:schemeClr val="accent1"/>
+                </a:effectRef>
+                <a:fontRef idx="minor">
+                  <a:schemeClr val="tx1"/>
+                </a:fontRef>
+              </p:style>
+            </p:cxnSp>
+            <p:cxnSp>
+              <p:nvCxnSpPr>
+                <p:cNvPr id="38" name="Straight Connector 37"/>
+                <p:cNvCxnSpPr/>
+                <p:nvPr/>
+              </p:nvCxnSpPr>
+              <p:spPr>
+                <a:xfrm flipH="1">
+                  <a:off x="2182967" y="1690687"/>
+                  <a:ext cx="281626" cy="281626"/>
+                </a:xfrm>
+                <a:prstGeom prst="line">
+                  <a:avLst/>
+                </a:prstGeom>
+                <a:ln w="28575">
+                  <a:solidFill>
+                    <a:srgbClr val="FF0000"/>
+                  </a:solidFill>
+                </a:ln>
+              </p:spPr>
+              <p:style>
+                <a:lnRef idx="1">
+                  <a:schemeClr val="accent1"/>
+                </a:lnRef>
+                <a:fillRef idx="0">
+                  <a:schemeClr val="accent1"/>
+                </a:fillRef>
+                <a:effectRef idx="0">
+                  <a:schemeClr val="accent1"/>
+                </a:effectRef>
+                <a:fontRef idx="minor">
+                  <a:schemeClr val="tx1"/>
+                </a:fontRef>
+              </p:style>
+            </p:cxnSp>
+          </p:grpSp>
+          <p:grpSp>
+            <p:nvGrpSpPr>
+              <p:cNvPr id="60" name="Group 59"/>
+              <p:cNvGrpSpPr/>
+              <p:nvPr/>
+            </p:nvGrpSpPr>
+            <p:grpSpPr>
+              <a:xfrm>
+                <a:off x="2442762" y="1804036"/>
+                <a:ext cx="306388" cy="306388"/>
+                <a:chOff x="2615086" y="1678306"/>
+                <a:chExt cx="306388" cy="306388"/>
+              </a:xfrm>
+            </p:grpSpPr>
+            <p:cxnSp>
+              <p:nvCxnSpPr>
+                <p:cNvPr id="61" name="Straight Connector 60"/>
+                <p:cNvCxnSpPr/>
+                <p:nvPr/>
+              </p:nvCxnSpPr>
+              <p:spPr>
+                <a:xfrm>
+                  <a:off x="2768280" y="1678306"/>
+                  <a:ext cx="0" cy="306388"/>
+                </a:xfrm>
+                <a:prstGeom prst="line">
+                  <a:avLst/>
+                </a:prstGeom>
+                <a:ln w="28575">
+                  <a:solidFill>
+                    <a:schemeClr val="tx1"/>
+                  </a:solidFill>
+                </a:ln>
+              </p:spPr>
+              <p:style>
+                <a:lnRef idx="1">
+                  <a:schemeClr val="accent1"/>
+                </a:lnRef>
+                <a:fillRef idx="0">
+                  <a:schemeClr val="accent1"/>
+                </a:fillRef>
+                <a:effectRef idx="0">
+                  <a:schemeClr val="accent1"/>
+                </a:effectRef>
+                <a:fontRef idx="minor">
+                  <a:schemeClr val="tx1"/>
+                </a:fontRef>
+              </p:style>
+            </p:cxnSp>
+            <p:cxnSp>
+              <p:nvCxnSpPr>
+                <p:cNvPr id="62" name="Straight Connector 61"/>
+                <p:cNvCxnSpPr/>
+                <p:nvPr/>
+              </p:nvCxnSpPr>
+              <p:spPr>
+                <a:xfrm rot="16200000">
+                  <a:off x="2768280" y="1671481"/>
+                  <a:ext cx="0" cy="306388"/>
+                </a:xfrm>
+                <a:prstGeom prst="line">
+                  <a:avLst/>
+                </a:prstGeom>
+                <a:ln w="28575">
+                  <a:solidFill>
+                    <a:schemeClr val="tx1"/>
+                  </a:solidFill>
+                </a:ln>
+              </p:spPr>
+              <p:style>
+                <a:lnRef idx="1">
+                  <a:schemeClr val="accent1"/>
+                </a:lnRef>
+                <a:fillRef idx="0">
+                  <a:schemeClr val="accent1"/>
+                </a:fillRef>
+                <a:effectRef idx="0">
+                  <a:schemeClr val="accent1"/>
+                </a:effectRef>
+                <a:fontRef idx="minor">
+                  <a:schemeClr val="tx1"/>
+                </a:fontRef>
+              </p:style>
+            </p:cxnSp>
+          </p:grpSp>
+          <p:grpSp>
+            <p:nvGrpSpPr>
+              <p:cNvPr id="66" name="Group 65"/>
+              <p:cNvGrpSpPr/>
+              <p:nvPr/>
+            </p:nvGrpSpPr>
+            <p:grpSpPr>
+              <a:xfrm>
+                <a:off x="2063110" y="2046287"/>
+                <a:ext cx="281626" cy="281626"/>
+                <a:chOff x="2182967" y="1690687"/>
+                <a:chExt cx="281626" cy="281626"/>
+              </a:xfrm>
+            </p:grpSpPr>
+            <p:cxnSp>
+              <p:nvCxnSpPr>
+                <p:cNvPr id="67" name="Straight Connector 66"/>
+                <p:cNvCxnSpPr/>
+                <p:nvPr/>
+              </p:nvCxnSpPr>
+              <p:spPr>
+                <a:xfrm>
+                  <a:off x="2182967" y="1690687"/>
+                  <a:ext cx="281626" cy="281626"/>
+                </a:xfrm>
+                <a:prstGeom prst="line">
+                  <a:avLst/>
+                </a:prstGeom>
+                <a:ln w="28575">
+                  <a:solidFill>
+                    <a:srgbClr val="FF0000"/>
+                  </a:solidFill>
+                </a:ln>
+              </p:spPr>
+              <p:style>
+                <a:lnRef idx="1">
+                  <a:schemeClr val="accent1"/>
+                </a:lnRef>
+                <a:fillRef idx="0">
+                  <a:schemeClr val="accent1"/>
+                </a:fillRef>
+                <a:effectRef idx="0">
+                  <a:schemeClr val="accent1"/>
+                </a:effectRef>
+                <a:fontRef idx="minor">
+                  <a:schemeClr val="tx1"/>
+                </a:fontRef>
+              </p:style>
+            </p:cxnSp>
+            <p:cxnSp>
+              <p:nvCxnSpPr>
+                <p:cNvPr id="68" name="Straight Connector 67"/>
+                <p:cNvCxnSpPr/>
+                <p:nvPr/>
+              </p:nvCxnSpPr>
+              <p:spPr>
+                <a:xfrm flipH="1">
+                  <a:off x="2182967" y="1690687"/>
+                  <a:ext cx="281626" cy="281626"/>
+                </a:xfrm>
+                <a:prstGeom prst="line">
+                  <a:avLst/>
+                </a:prstGeom>
+                <a:ln w="28575">
+                  <a:solidFill>
+                    <a:srgbClr val="FF0000"/>
+                  </a:solidFill>
+                </a:ln>
+              </p:spPr>
+              <p:style>
+                <a:lnRef idx="1">
+                  <a:schemeClr val="accent1"/>
+                </a:lnRef>
+                <a:fillRef idx="0">
+                  <a:schemeClr val="accent1"/>
+                </a:fillRef>
+                <a:effectRef idx="0">
+                  <a:schemeClr val="accent1"/>
+                </a:effectRef>
+                <a:fontRef idx="minor">
+                  <a:schemeClr val="tx1"/>
+                </a:fontRef>
+              </p:style>
+            </p:cxnSp>
+          </p:grpSp>
+          <p:grpSp>
+            <p:nvGrpSpPr>
+              <p:cNvPr id="69" name="Group 68"/>
+              <p:cNvGrpSpPr/>
+              <p:nvPr/>
+            </p:nvGrpSpPr>
+            <p:grpSpPr>
+              <a:xfrm>
+                <a:off x="3625784" y="2046287"/>
+                <a:ext cx="281626" cy="281626"/>
+                <a:chOff x="2182967" y="1690687"/>
+                <a:chExt cx="281626" cy="281626"/>
+              </a:xfrm>
+            </p:grpSpPr>
+            <p:cxnSp>
+              <p:nvCxnSpPr>
+                <p:cNvPr id="70" name="Straight Connector 69"/>
+                <p:cNvCxnSpPr/>
+                <p:nvPr/>
+              </p:nvCxnSpPr>
+              <p:spPr>
+                <a:xfrm>
+                  <a:off x="2182967" y="1690687"/>
+                  <a:ext cx="281626" cy="281626"/>
+                </a:xfrm>
+                <a:prstGeom prst="line">
+                  <a:avLst/>
+                </a:prstGeom>
+                <a:ln w="28575">
+                  <a:solidFill>
+                    <a:srgbClr val="FF0000"/>
+                  </a:solidFill>
+                </a:ln>
+              </p:spPr>
+              <p:style>
+                <a:lnRef idx="1">
+                  <a:schemeClr val="accent1"/>
+                </a:lnRef>
+                <a:fillRef idx="0">
+                  <a:schemeClr val="accent1"/>
+                </a:fillRef>
+                <a:effectRef idx="0">
+                  <a:schemeClr val="accent1"/>
+                </a:effectRef>
+                <a:fontRef idx="minor">
+                  <a:schemeClr val="tx1"/>
+                </a:fontRef>
+              </p:style>
+            </p:cxnSp>
+            <p:cxnSp>
+              <p:nvCxnSpPr>
+                <p:cNvPr id="71" name="Straight Connector 70"/>
+                <p:cNvCxnSpPr/>
+                <p:nvPr/>
+              </p:nvCxnSpPr>
+              <p:spPr>
+                <a:xfrm flipH="1">
+                  <a:off x="2182967" y="1690687"/>
+                  <a:ext cx="281626" cy="281626"/>
+                </a:xfrm>
+                <a:prstGeom prst="line">
+                  <a:avLst/>
+                </a:prstGeom>
+                <a:ln w="28575">
+                  <a:solidFill>
+                    <a:srgbClr val="FF0000"/>
+                  </a:solidFill>
+                </a:ln>
+              </p:spPr>
+              <p:style>
+                <a:lnRef idx="1">
+                  <a:schemeClr val="accent1"/>
+                </a:lnRef>
+                <a:fillRef idx="0">
+                  <a:schemeClr val="accent1"/>
+                </a:fillRef>
+                <a:effectRef idx="0">
+                  <a:schemeClr val="accent1"/>
+                </a:effectRef>
+                <a:fontRef idx="minor">
+                  <a:schemeClr val="tx1"/>
+                </a:fontRef>
+              </p:style>
+            </p:cxnSp>
+          </p:grpSp>
+          <p:grpSp>
+            <p:nvGrpSpPr>
+              <p:cNvPr id="72" name="Group 71"/>
+              <p:cNvGrpSpPr/>
+              <p:nvPr/>
+            </p:nvGrpSpPr>
+            <p:grpSpPr>
+              <a:xfrm>
+                <a:off x="2063110" y="2497137"/>
+                <a:ext cx="281626" cy="281626"/>
+                <a:chOff x="2182967" y="1690687"/>
+                <a:chExt cx="281626" cy="281626"/>
+              </a:xfrm>
+            </p:grpSpPr>
+            <p:cxnSp>
+              <p:nvCxnSpPr>
+                <p:cNvPr id="73" name="Straight Connector 72"/>
+                <p:cNvCxnSpPr/>
+                <p:nvPr/>
+              </p:nvCxnSpPr>
+              <p:spPr>
+                <a:xfrm>
+                  <a:off x="2182967" y="1690687"/>
+                  <a:ext cx="281626" cy="281626"/>
+                </a:xfrm>
+                <a:prstGeom prst="line">
+                  <a:avLst/>
+                </a:prstGeom>
+                <a:ln w="28575">
+                  <a:solidFill>
+                    <a:srgbClr val="FF0000"/>
+                  </a:solidFill>
+                </a:ln>
+              </p:spPr>
+              <p:style>
+                <a:lnRef idx="1">
+                  <a:schemeClr val="accent1"/>
+                </a:lnRef>
+                <a:fillRef idx="0">
+                  <a:schemeClr val="accent1"/>
+                </a:fillRef>
+                <a:effectRef idx="0">
+                  <a:schemeClr val="accent1"/>
+                </a:effectRef>
+                <a:fontRef idx="minor">
+                  <a:schemeClr val="tx1"/>
+                </a:fontRef>
+              </p:style>
+            </p:cxnSp>
+            <p:cxnSp>
+              <p:nvCxnSpPr>
+                <p:cNvPr id="74" name="Straight Connector 73"/>
+                <p:cNvCxnSpPr/>
+                <p:nvPr/>
+              </p:nvCxnSpPr>
+              <p:spPr>
+                <a:xfrm flipH="1">
+                  <a:off x="2182967" y="1690687"/>
+                  <a:ext cx="281626" cy="281626"/>
+                </a:xfrm>
+                <a:prstGeom prst="line">
+                  <a:avLst/>
+                </a:prstGeom>
+                <a:ln w="28575">
+                  <a:solidFill>
+                    <a:srgbClr val="FF0000"/>
+                  </a:solidFill>
+                </a:ln>
+              </p:spPr>
+              <p:style>
+                <a:lnRef idx="1">
+                  <a:schemeClr val="accent1"/>
+                </a:lnRef>
+                <a:fillRef idx="0">
+                  <a:schemeClr val="accent1"/>
+                </a:fillRef>
+                <a:effectRef idx="0">
+                  <a:schemeClr val="accent1"/>
+                </a:effectRef>
+                <a:fontRef idx="minor">
+                  <a:schemeClr val="tx1"/>
+                </a:fontRef>
+              </p:style>
+            </p:cxnSp>
+          </p:grpSp>
+          <p:grpSp>
+            <p:nvGrpSpPr>
+              <p:cNvPr id="75" name="Group 74"/>
+              <p:cNvGrpSpPr/>
+              <p:nvPr/>
+            </p:nvGrpSpPr>
+            <p:grpSpPr>
+              <a:xfrm>
+                <a:off x="2063110" y="2944811"/>
+                <a:ext cx="281626" cy="281626"/>
+                <a:chOff x="2182967" y="1690687"/>
+                <a:chExt cx="281626" cy="281626"/>
+              </a:xfrm>
+            </p:grpSpPr>
+            <p:cxnSp>
+              <p:nvCxnSpPr>
+                <p:cNvPr id="76" name="Straight Connector 75"/>
+                <p:cNvCxnSpPr/>
+                <p:nvPr/>
+              </p:nvCxnSpPr>
+              <p:spPr>
+                <a:xfrm>
+                  <a:off x="2182967" y="1690687"/>
+                  <a:ext cx="281626" cy="281626"/>
+                </a:xfrm>
+                <a:prstGeom prst="line">
+                  <a:avLst/>
+                </a:prstGeom>
+                <a:ln w="28575">
+                  <a:solidFill>
+                    <a:srgbClr val="FF0000"/>
+                  </a:solidFill>
+                </a:ln>
+              </p:spPr>
+              <p:style>
+                <a:lnRef idx="1">
+                  <a:schemeClr val="accent1"/>
+                </a:lnRef>
+                <a:fillRef idx="0">
+                  <a:schemeClr val="accent1"/>
+                </a:fillRef>
+                <a:effectRef idx="0">
+                  <a:schemeClr val="accent1"/>
+                </a:effectRef>
+                <a:fontRef idx="minor">
+                  <a:schemeClr val="tx1"/>
+                </a:fontRef>
+              </p:style>
+            </p:cxnSp>
+            <p:cxnSp>
+              <p:nvCxnSpPr>
+                <p:cNvPr id="77" name="Straight Connector 76"/>
+                <p:cNvCxnSpPr/>
+                <p:nvPr/>
+              </p:nvCxnSpPr>
+              <p:spPr>
+                <a:xfrm flipH="1">
+                  <a:off x="2182967" y="1690687"/>
+                  <a:ext cx="281626" cy="281626"/>
+                </a:xfrm>
+                <a:prstGeom prst="line">
+                  <a:avLst/>
+                </a:prstGeom>
+                <a:ln w="28575">
+                  <a:solidFill>
+                    <a:srgbClr val="FF0000"/>
+                  </a:solidFill>
+                </a:ln>
+              </p:spPr>
+              <p:style>
+                <a:lnRef idx="1">
+                  <a:schemeClr val="accent1"/>
+                </a:lnRef>
+                <a:fillRef idx="0">
+                  <a:schemeClr val="accent1"/>
+                </a:fillRef>
+                <a:effectRef idx="0">
+                  <a:schemeClr val="accent1"/>
+                </a:effectRef>
+                <a:fontRef idx="minor">
+                  <a:schemeClr val="tx1"/>
+                </a:fontRef>
+              </p:style>
+            </p:cxnSp>
+          </p:grpSp>
+          <p:grpSp>
+            <p:nvGrpSpPr>
+              <p:cNvPr id="78" name="Group 77"/>
+              <p:cNvGrpSpPr/>
+              <p:nvPr/>
+            </p:nvGrpSpPr>
+            <p:grpSpPr>
+              <a:xfrm>
+                <a:off x="2063110" y="3395982"/>
+                <a:ext cx="281626" cy="281626"/>
+                <a:chOff x="2182967" y="1690687"/>
+                <a:chExt cx="281626" cy="281626"/>
+              </a:xfrm>
+            </p:grpSpPr>
+            <p:cxnSp>
+              <p:nvCxnSpPr>
+                <p:cNvPr id="79" name="Straight Connector 78"/>
+                <p:cNvCxnSpPr/>
+                <p:nvPr/>
+              </p:nvCxnSpPr>
+              <p:spPr>
+                <a:xfrm>
+                  <a:off x="2182967" y="1690687"/>
+                  <a:ext cx="281626" cy="281626"/>
+                </a:xfrm>
+                <a:prstGeom prst="line">
+                  <a:avLst/>
+                </a:prstGeom>
+                <a:ln w="28575">
+                  <a:solidFill>
+                    <a:srgbClr val="FF0000"/>
+                  </a:solidFill>
+                </a:ln>
+              </p:spPr>
+              <p:style>
+                <a:lnRef idx="1">
+                  <a:schemeClr val="accent1"/>
+                </a:lnRef>
+                <a:fillRef idx="0">
+                  <a:schemeClr val="accent1"/>
+                </a:fillRef>
+                <a:effectRef idx="0">
+                  <a:schemeClr val="accent1"/>
+                </a:effectRef>
+                <a:fontRef idx="minor">
+                  <a:schemeClr val="tx1"/>
+                </a:fontRef>
+              </p:style>
+            </p:cxnSp>
+            <p:cxnSp>
+              <p:nvCxnSpPr>
+                <p:cNvPr id="80" name="Straight Connector 79"/>
+                <p:cNvCxnSpPr/>
+                <p:nvPr/>
+              </p:nvCxnSpPr>
+              <p:spPr>
+                <a:xfrm flipH="1">
+                  <a:off x="2182967" y="1690687"/>
+                  <a:ext cx="281626" cy="281626"/>
+                </a:xfrm>
+                <a:prstGeom prst="line">
+                  <a:avLst/>
+                </a:prstGeom>
+                <a:ln w="28575">
+                  <a:solidFill>
+                    <a:srgbClr val="FF0000"/>
+                  </a:solidFill>
+                </a:ln>
+              </p:spPr>
+              <p:style>
+                <a:lnRef idx="1">
+                  <a:schemeClr val="accent1"/>
+                </a:lnRef>
+                <a:fillRef idx="0">
+                  <a:schemeClr val="accent1"/>
+                </a:fillRef>
+                <a:effectRef idx="0">
+                  <a:schemeClr val="accent1"/>
+                </a:effectRef>
+                <a:fontRef idx="minor">
+                  <a:schemeClr val="tx1"/>
+                </a:fontRef>
+              </p:style>
+            </p:cxnSp>
+          </p:grpSp>
+          <p:grpSp>
+            <p:nvGrpSpPr>
+              <p:cNvPr id="81" name="Group 80"/>
+              <p:cNvGrpSpPr/>
+              <p:nvPr/>
+            </p:nvGrpSpPr>
+            <p:grpSpPr>
+              <a:xfrm>
+                <a:off x="2063110" y="3846253"/>
+                <a:ext cx="281626" cy="281626"/>
+                <a:chOff x="2182967" y="1690687"/>
+                <a:chExt cx="281626" cy="281626"/>
+              </a:xfrm>
+            </p:grpSpPr>
+            <p:cxnSp>
+              <p:nvCxnSpPr>
+                <p:cNvPr id="82" name="Straight Connector 81"/>
+                <p:cNvCxnSpPr/>
+                <p:nvPr/>
+              </p:nvCxnSpPr>
+              <p:spPr>
+                <a:xfrm>
+                  <a:off x="2182967" y="1690687"/>
+                  <a:ext cx="281626" cy="281626"/>
+                </a:xfrm>
+                <a:prstGeom prst="line">
+                  <a:avLst/>
+                </a:prstGeom>
+                <a:ln w="28575">
+                  <a:solidFill>
+                    <a:srgbClr val="FF0000"/>
+                  </a:solidFill>
+                </a:ln>
+              </p:spPr>
+              <p:style>
+                <a:lnRef idx="1">
+                  <a:schemeClr val="accent1"/>
+                </a:lnRef>
+                <a:fillRef idx="0">
+                  <a:schemeClr val="accent1"/>
+                </a:fillRef>
+                <a:effectRef idx="0">
+                  <a:schemeClr val="accent1"/>
+                </a:effectRef>
+                <a:fontRef idx="minor">
+                  <a:schemeClr val="tx1"/>
+                </a:fontRef>
+              </p:style>
+            </p:cxnSp>
+            <p:cxnSp>
+              <p:nvCxnSpPr>
+                <p:cNvPr id="83" name="Straight Connector 82"/>
+                <p:cNvCxnSpPr/>
+                <p:nvPr/>
+              </p:nvCxnSpPr>
+              <p:spPr>
+                <a:xfrm flipH="1">
+                  <a:off x="2182967" y="1690687"/>
+                  <a:ext cx="281626" cy="281626"/>
+                </a:xfrm>
+                <a:prstGeom prst="line">
+                  <a:avLst/>
+                </a:prstGeom>
+                <a:ln w="28575">
+                  <a:solidFill>
+                    <a:srgbClr val="FF0000"/>
+                  </a:solidFill>
+                </a:ln>
+              </p:spPr>
+              <p:style>
+                <a:lnRef idx="1">
+                  <a:schemeClr val="accent1"/>
+                </a:lnRef>
+                <a:fillRef idx="0">
+                  <a:schemeClr val="accent1"/>
+                </a:fillRef>
+                <a:effectRef idx="0">
+                  <a:schemeClr val="accent1"/>
+                </a:effectRef>
+                <a:fontRef idx="minor">
+                  <a:schemeClr val="tx1"/>
+                </a:fontRef>
+              </p:style>
+            </p:cxnSp>
+          </p:grpSp>
+          <p:grpSp>
+            <p:nvGrpSpPr>
+              <p:cNvPr id="84" name="Group 83"/>
+              <p:cNvGrpSpPr/>
+              <p:nvPr/>
+            </p:nvGrpSpPr>
+            <p:grpSpPr>
+              <a:xfrm>
+                <a:off x="2063110" y="4298432"/>
+                <a:ext cx="281626" cy="281626"/>
+                <a:chOff x="2182967" y="1690687"/>
+                <a:chExt cx="281626" cy="281626"/>
+              </a:xfrm>
+            </p:grpSpPr>
+            <p:cxnSp>
+              <p:nvCxnSpPr>
+                <p:cNvPr id="85" name="Straight Connector 84"/>
+                <p:cNvCxnSpPr/>
+                <p:nvPr/>
+              </p:nvCxnSpPr>
+              <p:spPr>
+                <a:xfrm>
+                  <a:off x="2182967" y="1690687"/>
+                  <a:ext cx="281626" cy="281626"/>
+                </a:xfrm>
+                <a:prstGeom prst="line">
+                  <a:avLst/>
+                </a:prstGeom>
+                <a:ln w="28575">
+                  <a:solidFill>
+                    <a:srgbClr val="FF0000"/>
+                  </a:solidFill>
+                </a:ln>
+              </p:spPr>
+              <p:style>
+                <a:lnRef idx="1">
+                  <a:schemeClr val="accent1"/>
+                </a:lnRef>
+                <a:fillRef idx="0">
+                  <a:schemeClr val="accent1"/>
+                </a:fillRef>
+                <a:effectRef idx="0">
+                  <a:schemeClr val="accent1"/>
+                </a:effectRef>
+                <a:fontRef idx="minor">
+                  <a:schemeClr val="tx1"/>
+                </a:fontRef>
+              </p:style>
+            </p:cxnSp>
+            <p:cxnSp>
+              <p:nvCxnSpPr>
+                <p:cNvPr id="86" name="Straight Connector 85"/>
+                <p:cNvCxnSpPr/>
+                <p:nvPr/>
+              </p:nvCxnSpPr>
+              <p:spPr>
+                <a:xfrm flipH="1">
+                  <a:off x="2182967" y="1690687"/>
+                  <a:ext cx="281626" cy="281626"/>
+                </a:xfrm>
+                <a:prstGeom prst="line">
+                  <a:avLst/>
+                </a:prstGeom>
+                <a:ln w="28575">
+                  <a:solidFill>
+                    <a:srgbClr val="FF0000"/>
+                  </a:solidFill>
+                </a:ln>
+              </p:spPr>
+              <p:style>
+                <a:lnRef idx="1">
+                  <a:schemeClr val="accent1"/>
+                </a:lnRef>
+                <a:fillRef idx="0">
+                  <a:schemeClr val="accent1"/>
+                </a:fillRef>
+                <a:effectRef idx="0">
+                  <a:schemeClr val="accent1"/>
+                </a:effectRef>
+                <a:fontRef idx="minor">
+                  <a:schemeClr val="tx1"/>
+                </a:fontRef>
+              </p:style>
+            </p:cxnSp>
+          </p:grpSp>
+          <p:grpSp>
+            <p:nvGrpSpPr>
+              <p:cNvPr id="87" name="Group 86"/>
+              <p:cNvGrpSpPr/>
+              <p:nvPr/>
+            </p:nvGrpSpPr>
+            <p:grpSpPr>
+              <a:xfrm>
+                <a:off x="2063110" y="4744669"/>
+                <a:ext cx="281626" cy="281626"/>
+                <a:chOff x="2182967" y="1690687"/>
+                <a:chExt cx="281626" cy="281626"/>
+              </a:xfrm>
+            </p:grpSpPr>
+            <p:cxnSp>
+              <p:nvCxnSpPr>
+                <p:cNvPr id="88" name="Straight Connector 87"/>
+                <p:cNvCxnSpPr/>
+                <p:nvPr/>
+              </p:nvCxnSpPr>
+              <p:spPr>
+                <a:xfrm>
+                  <a:off x="2182967" y="1690687"/>
+                  <a:ext cx="281626" cy="281626"/>
+                </a:xfrm>
+                <a:prstGeom prst="line">
+                  <a:avLst/>
+                </a:prstGeom>
+                <a:ln w="28575">
+                  <a:solidFill>
+                    <a:srgbClr val="FF0000"/>
+                  </a:solidFill>
+                </a:ln>
+              </p:spPr>
+              <p:style>
+                <a:lnRef idx="1">
+                  <a:schemeClr val="accent1"/>
+                </a:lnRef>
+                <a:fillRef idx="0">
+                  <a:schemeClr val="accent1"/>
+                </a:fillRef>
+                <a:effectRef idx="0">
+                  <a:schemeClr val="accent1"/>
+                </a:effectRef>
+                <a:fontRef idx="minor">
+                  <a:schemeClr val="tx1"/>
+                </a:fontRef>
+              </p:style>
+            </p:cxnSp>
+            <p:cxnSp>
+              <p:nvCxnSpPr>
+                <p:cNvPr id="89" name="Straight Connector 88"/>
+                <p:cNvCxnSpPr/>
+                <p:nvPr/>
+              </p:nvCxnSpPr>
+              <p:spPr>
+                <a:xfrm flipH="1">
+                  <a:off x="2182967" y="1690687"/>
+                  <a:ext cx="281626" cy="281626"/>
+                </a:xfrm>
+                <a:prstGeom prst="line">
+                  <a:avLst/>
+                </a:prstGeom>
+                <a:ln w="28575">
+                  <a:solidFill>
+                    <a:srgbClr val="FF0000"/>
+                  </a:solidFill>
+                </a:ln>
+              </p:spPr>
+              <p:style>
+                <a:lnRef idx="1">
+                  <a:schemeClr val="accent1"/>
+                </a:lnRef>
+                <a:fillRef idx="0">
+                  <a:schemeClr val="accent1"/>
+                </a:fillRef>
+                <a:effectRef idx="0">
+                  <a:schemeClr val="accent1"/>
+                </a:effectRef>
+                <a:fontRef idx="minor">
+                  <a:schemeClr val="tx1"/>
+                </a:fontRef>
+              </p:style>
+            </p:cxnSp>
+          </p:grpSp>
+          <p:grpSp>
+            <p:nvGrpSpPr>
+              <p:cNvPr id="90" name="Group 89"/>
+              <p:cNvGrpSpPr/>
+              <p:nvPr/>
+            </p:nvGrpSpPr>
+            <p:grpSpPr>
+              <a:xfrm>
+                <a:off x="3625784" y="2497137"/>
+                <a:ext cx="281626" cy="281626"/>
+                <a:chOff x="2182967" y="1690687"/>
+                <a:chExt cx="281626" cy="281626"/>
+              </a:xfrm>
+            </p:grpSpPr>
+            <p:cxnSp>
+              <p:nvCxnSpPr>
+                <p:cNvPr id="91" name="Straight Connector 90"/>
+                <p:cNvCxnSpPr/>
+                <p:nvPr/>
+              </p:nvCxnSpPr>
+              <p:spPr>
+                <a:xfrm>
+                  <a:off x="2182967" y="1690687"/>
+                  <a:ext cx="281626" cy="281626"/>
+                </a:xfrm>
+                <a:prstGeom prst="line">
+                  <a:avLst/>
+                </a:prstGeom>
+                <a:ln w="28575">
+                  <a:solidFill>
+                    <a:srgbClr val="FF0000"/>
+                  </a:solidFill>
+                </a:ln>
+              </p:spPr>
+              <p:style>
+                <a:lnRef idx="1">
+                  <a:schemeClr val="accent1"/>
+                </a:lnRef>
+                <a:fillRef idx="0">
+                  <a:schemeClr val="accent1"/>
+                </a:fillRef>
+                <a:effectRef idx="0">
+                  <a:schemeClr val="accent1"/>
+                </a:effectRef>
+                <a:fontRef idx="minor">
+                  <a:schemeClr val="tx1"/>
+                </a:fontRef>
+              </p:style>
+            </p:cxnSp>
+            <p:cxnSp>
+              <p:nvCxnSpPr>
+                <p:cNvPr id="92" name="Straight Connector 91"/>
+                <p:cNvCxnSpPr/>
+                <p:nvPr/>
+              </p:nvCxnSpPr>
+              <p:spPr>
+                <a:xfrm flipH="1">
+                  <a:off x="2182967" y="1690687"/>
+                  <a:ext cx="281626" cy="281626"/>
+                </a:xfrm>
+                <a:prstGeom prst="line">
+                  <a:avLst/>
+                </a:prstGeom>
+                <a:ln w="28575">
+                  <a:solidFill>
+                    <a:srgbClr val="FF0000"/>
+                  </a:solidFill>
+                </a:ln>
+              </p:spPr>
+              <p:style>
+                <a:lnRef idx="1">
+                  <a:schemeClr val="accent1"/>
+                </a:lnRef>
+                <a:fillRef idx="0">
+                  <a:schemeClr val="accent1"/>
+                </a:fillRef>
+                <a:effectRef idx="0">
+                  <a:schemeClr val="accent1"/>
+                </a:effectRef>
+                <a:fontRef idx="minor">
+                  <a:schemeClr val="tx1"/>
+                </a:fontRef>
+              </p:style>
+            </p:cxnSp>
+          </p:grpSp>
+          <p:grpSp>
+            <p:nvGrpSpPr>
+              <p:cNvPr id="93" name="Group 92"/>
+              <p:cNvGrpSpPr/>
+              <p:nvPr/>
+            </p:nvGrpSpPr>
+            <p:grpSpPr>
+              <a:xfrm>
+                <a:off x="3625784" y="2944811"/>
+                <a:ext cx="281626" cy="281626"/>
+                <a:chOff x="2182967" y="1690687"/>
+                <a:chExt cx="281626" cy="281626"/>
+              </a:xfrm>
+            </p:grpSpPr>
+            <p:cxnSp>
+              <p:nvCxnSpPr>
+                <p:cNvPr id="94" name="Straight Connector 93"/>
+                <p:cNvCxnSpPr/>
+                <p:nvPr/>
+              </p:nvCxnSpPr>
+              <p:spPr>
+                <a:xfrm>
+                  <a:off x="2182967" y="1690687"/>
+                  <a:ext cx="281626" cy="281626"/>
+                </a:xfrm>
+                <a:prstGeom prst="line">
+                  <a:avLst/>
+                </a:prstGeom>
+                <a:ln w="28575">
+                  <a:solidFill>
+                    <a:srgbClr val="FF0000"/>
+                  </a:solidFill>
+                </a:ln>
+              </p:spPr>
+              <p:style>
+                <a:lnRef idx="1">
+                  <a:schemeClr val="accent1"/>
+                </a:lnRef>
+                <a:fillRef idx="0">
+                  <a:schemeClr val="accent1"/>
+                </a:fillRef>
+                <a:effectRef idx="0">
+                  <a:schemeClr val="accent1"/>
+                </a:effectRef>
+                <a:fontRef idx="minor">
+                  <a:schemeClr val="tx1"/>
+                </a:fontRef>
+              </p:style>
+            </p:cxnSp>
+            <p:cxnSp>
+              <p:nvCxnSpPr>
+                <p:cNvPr id="95" name="Straight Connector 94"/>
+                <p:cNvCxnSpPr/>
+                <p:nvPr/>
+              </p:nvCxnSpPr>
+              <p:spPr>
+                <a:xfrm flipH="1">
+                  <a:off x="2182967" y="1690687"/>
+                  <a:ext cx="281626" cy="281626"/>
+                </a:xfrm>
+                <a:prstGeom prst="line">
+                  <a:avLst/>
+                </a:prstGeom>
+                <a:ln w="28575">
+                  <a:solidFill>
+                    <a:srgbClr val="FF0000"/>
+                  </a:solidFill>
+                </a:ln>
+              </p:spPr>
+              <p:style>
+                <a:lnRef idx="1">
+                  <a:schemeClr val="accent1"/>
+                </a:lnRef>
+                <a:fillRef idx="0">
+                  <a:schemeClr val="accent1"/>
+                </a:fillRef>
+                <a:effectRef idx="0">
+                  <a:schemeClr val="accent1"/>
+                </a:effectRef>
+                <a:fontRef idx="minor">
+                  <a:schemeClr val="tx1"/>
+                </a:fontRef>
+              </p:style>
+            </p:cxnSp>
+          </p:grpSp>
+          <p:grpSp>
+            <p:nvGrpSpPr>
+              <p:cNvPr id="96" name="Group 95"/>
+              <p:cNvGrpSpPr/>
+              <p:nvPr/>
+            </p:nvGrpSpPr>
+            <p:grpSpPr>
+              <a:xfrm>
+                <a:off x="3625784" y="3395982"/>
+                <a:ext cx="281626" cy="281626"/>
+                <a:chOff x="2182967" y="1690687"/>
+                <a:chExt cx="281626" cy="281626"/>
+              </a:xfrm>
+            </p:grpSpPr>
+            <p:cxnSp>
+              <p:nvCxnSpPr>
+                <p:cNvPr id="97" name="Straight Connector 96"/>
+                <p:cNvCxnSpPr/>
+                <p:nvPr/>
+              </p:nvCxnSpPr>
+              <p:spPr>
+                <a:xfrm>
+                  <a:off x="2182967" y="1690687"/>
+                  <a:ext cx="281626" cy="281626"/>
+                </a:xfrm>
+                <a:prstGeom prst="line">
+                  <a:avLst/>
+                </a:prstGeom>
+                <a:ln w="28575">
+                  <a:solidFill>
+                    <a:srgbClr val="FF0000"/>
+                  </a:solidFill>
+                </a:ln>
+              </p:spPr>
+              <p:style>
+                <a:lnRef idx="1">
+                  <a:schemeClr val="accent1"/>
+                </a:lnRef>
+                <a:fillRef idx="0">
+                  <a:schemeClr val="accent1"/>
+                </a:fillRef>
+                <a:effectRef idx="0">
+                  <a:schemeClr val="accent1"/>
+                </a:effectRef>
+                <a:fontRef idx="minor">
+                  <a:schemeClr val="tx1"/>
+                </a:fontRef>
+              </p:style>
+            </p:cxnSp>
+            <p:cxnSp>
+              <p:nvCxnSpPr>
+                <p:cNvPr id="98" name="Straight Connector 97"/>
+                <p:cNvCxnSpPr/>
+                <p:nvPr/>
+              </p:nvCxnSpPr>
+              <p:spPr>
+                <a:xfrm flipH="1">
+                  <a:off x="2182967" y="1690687"/>
+                  <a:ext cx="281626" cy="281626"/>
+                </a:xfrm>
+                <a:prstGeom prst="line">
+                  <a:avLst/>
+                </a:prstGeom>
+                <a:ln w="28575">
+                  <a:solidFill>
+                    <a:srgbClr val="FF0000"/>
+                  </a:solidFill>
+                </a:ln>
+              </p:spPr>
+              <p:style>
+                <a:lnRef idx="1">
+                  <a:schemeClr val="accent1"/>
+                </a:lnRef>
+                <a:fillRef idx="0">
+                  <a:schemeClr val="accent1"/>
+                </a:fillRef>
+                <a:effectRef idx="0">
+                  <a:schemeClr val="accent1"/>
+                </a:effectRef>
+                <a:fontRef idx="minor">
+                  <a:schemeClr val="tx1"/>
+                </a:fontRef>
+              </p:style>
+            </p:cxnSp>
+          </p:grpSp>
+          <p:grpSp>
+            <p:nvGrpSpPr>
+              <p:cNvPr id="99" name="Group 98"/>
+              <p:cNvGrpSpPr/>
+              <p:nvPr/>
+            </p:nvGrpSpPr>
+            <p:grpSpPr>
+              <a:xfrm>
+                <a:off x="3625784" y="3846253"/>
+                <a:ext cx="281626" cy="281626"/>
+                <a:chOff x="2182967" y="1690687"/>
+                <a:chExt cx="281626" cy="281626"/>
+              </a:xfrm>
+            </p:grpSpPr>
+            <p:cxnSp>
+              <p:nvCxnSpPr>
+                <p:cNvPr id="100" name="Straight Connector 99"/>
+                <p:cNvCxnSpPr/>
+                <p:nvPr/>
+              </p:nvCxnSpPr>
+              <p:spPr>
+                <a:xfrm>
+                  <a:off x="2182967" y="1690687"/>
+                  <a:ext cx="281626" cy="281626"/>
+                </a:xfrm>
+                <a:prstGeom prst="line">
+                  <a:avLst/>
+                </a:prstGeom>
+                <a:ln w="28575">
+                  <a:solidFill>
+                    <a:srgbClr val="FF0000"/>
+                  </a:solidFill>
+                </a:ln>
+              </p:spPr>
+              <p:style>
+                <a:lnRef idx="1">
+                  <a:schemeClr val="accent1"/>
+                </a:lnRef>
+                <a:fillRef idx="0">
+                  <a:schemeClr val="accent1"/>
+                </a:fillRef>
+                <a:effectRef idx="0">
+                  <a:schemeClr val="accent1"/>
+                </a:effectRef>
+                <a:fontRef idx="minor">
+                  <a:schemeClr val="tx1"/>
+                </a:fontRef>
+              </p:style>
+            </p:cxnSp>
+            <p:cxnSp>
+              <p:nvCxnSpPr>
+                <p:cNvPr id="101" name="Straight Connector 100"/>
+                <p:cNvCxnSpPr/>
+                <p:nvPr/>
+              </p:nvCxnSpPr>
+              <p:spPr>
+                <a:xfrm flipH="1">
+                  <a:off x="2182967" y="1690687"/>
+                  <a:ext cx="281626" cy="281626"/>
+                </a:xfrm>
+                <a:prstGeom prst="line">
+                  <a:avLst/>
+                </a:prstGeom>
+                <a:ln w="28575">
+                  <a:solidFill>
+                    <a:srgbClr val="FF0000"/>
+                  </a:solidFill>
+                </a:ln>
+              </p:spPr>
+              <p:style>
+                <a:lnRef idx="1">
+                  <a:schemeClr val="accent1"/>
+                </a:lnRef>
+                <a:fillRef idx="0">
+                  <a:schemeClr val="accent1"/>
+                </a:fillRef>
+                <a:effectRef idx="0">
+                  <a:schemeClr val="accent1"/>
+                </a:effectRef>
+                <a:fontRef idx="minor">
+                  <a:schemeClr val="tx1"/>
+                </a:fontRef>
+              </p:style>
+            </p:cxnSp>
+          </p:grpSp>
+          <p:grpSp>
+            <p:nvGrpSpPr>
+              <p:cNvPr id="102" name="Group 101"/>
+              <p:cNvGrpSpPr/>
+              <p:nvPr/>
+            </p:nvGrpSpPr>
+            <p:grpSpPr>
+              <a:xfrm>
+                <a:off x="3625784" y="4298432"/>
+                <a:ext cx="281626" cy="281626"/>
+                <a:chOff x="2182967" y="1690687"/>
+                <a:chExt cx="281626" cy="281626"/>
+              </a:xfrm>
+            </p:grpSpPr>
+            <p:cxnSp>
+              <p:nvCxnSpPr>
+                <p:cNvPr id="103" name="Straight Connector 102"/>
+                <p:cNvCxnSpPr/>
+                <p:nvPr/>
+              </p:nvCxnSpPr>
+              <p:spPr>
+                <a:xfrm>
+                  <a:off x="2182967" y="1690687"/>
+                  <a:ext cx="281626" cy="281626"/>
+                </a:xfrm>
+                <a:prstGeom prst="line">
+                  <a:avLst/>
+                </a:prstGeom>
+                <a:ln w="28575">
+                  <a:solidFill>
+                    <a:srgbClr val="FF0000"/>
+                  </a:solidFill>
+                </a:ln>
+              </p:spPr>
+              <p:style>
+                <a:lnRef idx="1">
+                  <a:schemeClr val="accent1"/>
+                </a:lnRef>
+                <a:fillRef idx="0">
+                  <a:schemeClr val="accent1"/>
+                </a:fillRef>
+                <a:effectRef idx="0">
+                  <a:schemeClr val="accent1"/>
+                </a:effectRef>
+                <a:fontRef idx="minor">
+                  <a:schemeClr val="tx1"/>
+                </a:fontRef>
+              </p:style>
+            </p:cxnSp>
+            <p:cxnSp>
+              <p:nvCxnSpPr>
+                <p:cNvPr id="104" name="Straight Connector 103"/>
+                <p:cNvCxnSpPr/>
+                <p:nvPr/>
+              </p:nvCxnSpPr>
+              <p:spPr>
+                <a:xfrm flipH="1">
+                  <a:off x="2182967" y="1690687"/>
+                  <a:ext cx="281626" cy="281626"/>
+                </a:xfrm>
+                <a:prstGeom prst="line">
+                  <a:avLst/>
+                </a:prstGeom>
+                <a:ln w="28575">
+                  <a:solidFill>
+                    <a:srgbClr val="FF0000"/>
+                  </a:solidFill>
+                </a:ln>
+              </p:spPr>
+              <p:style>
+                <a:lnRef idx="1">
+                  <a:schemeClr val="accent1"/>
+                </a:lnRef>
+                <a:fillRef idx="0">
+                  <a:schemeClr val="accent1"/>
+                </a:fillRef>
+                <a:effectRef idx="0">
+                  <a:schemeClr val="accent1"/>
+                </a:effectRef>
+                <a:fontRef idx="minor">
+                  <a:schemeClr val="tx1"/>
+                </a:fontRef>
+              </p:style>
+            </p:cxnSp>
+          </p:grpSp>
+          <p:grpSp>
+            <p:nvGrpSpPr>
+              <p:cNvPr id="105" name="Group 104"/>
+              <p:cNvGrpSpPr/>
+              <p:nvPr/>
+            </p:nvGrpSpPr>
+            <p:grpSpPr>
+              <a:xfrm>
+                <a:off x="3625784" y="4744669"/>
+                <a:ext cx="281626" cy="281626"/>
+                <a:chOff x="2182967" y="1690687"/>
+                <a:chExt cx="281626" cy="281626"/>
+              </a:xfrm>
+            </p:grpSpPr>
+            <p:cxnSp>
+              <p:nvCxnSpPr>
+                <p:cNvPr id="106" name="Straight Connector 105"/>
+                <p:cNvCxnSpPr/>
+                <p:nvPr/>
+              </p:nvCxnSpPr>
+              <p:spPr>
+                <a:xfrm>
+                  <a:off x="2182967" y="1690687"/>
+                  <a:ext cx="281626" cy="281626"/>
+                </a:xfrm>
+                <a:prstGeom prst="line">
+                  <a:avLst/>
+                </a:prstGeom>
+                <a:ln w="28575">
+                  <a:solidFill>
+                    <a:srgbClr val="FF0000"/>
+                  </a:solidFill>
+                </a:ln>
+              </p:spPr>
+              <p:style>
+                <a:lnRef idx="1">
+                  <a:schemeClr val="accent1"/>
+                </a:lnRef>
+                <a:fillRef idx="0">
+                  <a:schemeClr val="accent1"/>
+                </a:fillRef>
+                <a:effectRef idx="0">
+                  <a:schemeClr val="accent1"/>
+                </a:effectRef>
+                <a:fontRef idx="minor">
+                  <a:schemeClr val="tx1"/>
+                </a:fontRef>
+              </p:style>
+            </p:cxnSp>
+            <p:cxnSp>
+              <p:nvCxnSpPr>
+                <p:cNvPr id="107" name="Straight Connector 106"/>
+                <p:cNvCxnSpPr/>
+                <p:nvPr/>
+              </p:nvCxnSpPr>
+              <p:spPr>
+                <a:xfrm flipH="1">
+                  <a:off x="2182967" y="1690687"/>
+                  <a:ext cx="281626" cy="281626"/>
+                </a:xfrm>
+                <a:prstGeom prst="line">
+                  <a:avLst/>
+                </a:prstGeom>
+                <a:ln w="28575">
+                  <a:solidFill>
+                    <a:srgbClr val="FF0000"/>
+                  </a:solidFill>
+                </a:ln>
+              </p:spPr>
+              <p:style>
+                <a:lnRef idx="1">
+                  <a:schemeClr val="accent1"/>
+                </a:lnRef>
+                <a:fillRef idx="0">
+                  <a:schemeClr val="accent1"/>
+                </a:fillRef>
+                <a:effectRef idx="0">
+                  <a:schemeClr val="accent1"/>
+                </a:effectRef>
+                <a:fontRef idx="minor">
+                  <a:schemeClr val="tx1"/>
+                </a:fontRef>
+              </p:style>
+            </p:cxnSp>
+          </p:grpSp>
+          <p:grpSp>
+            <p:nvGrpSpPr>
+              <p:cNvPr id="108" name="Group 107"/>
+              <p:cNvGrpSpPr/>
+              <p:nvPr/>
+            </p:nvGrpSpPr>
+            <p:grpSpPr>
+              <a:xfrm>
+                <a:off x="1269392" y="2484756"/>
+                <a:ext cx="306388" cy="306388"/>
+                <a:chOff x="2615086" y="1678306"/>
+                <a:chExt cx="306388" cy="306388"/>
+              </a:xfrm>
+            </p:grpSpPr>
+            <p:cxnSp>
+              <p:nvCxnSpPr>
+                <p:cNvPr id="109" name="Straight Connector 108"/>
+                <p:cNvCxnSpPr/>
+                <p:nvPr/>
+              </p:nvCxnSpPr>
+              <p:spPr>
+                <a:xfrm>
+                  <a:off x="2768280" y="1678306"/>
+                  <a:ext cx="0" cy="306388"/>
+                </a:xfrm>
+                <a:prstGeom prst="line">
+                  <a:avLst/>
+                </a:prstGeom>
+                <a:ln w="28575">
+                  <a:solidFill>
+                    <a:schemeClr val="tx1"/>
+                  </a:solidFill>
+                </a:ln>
+              </p:spPr>
+              <p:style>
+                <a:lnRef idx="1">
+                  <a:schemeClr val="accent1"/>
+                </a:lnRef>
+                <a:fillRef idx="0">
+                  <a:schemeClr val="accent1"/>
+                </a:fillRef>
+                <a:effectRef idx="0">
+                  <a:schemeClr val="accent1"/>
+                </a:effectRef>
+                <a:fontRef idx="minor">
+                  <a:schemeClr val="tx1"/>
+                </a:fontRef>
+              </p:style>
+            </p:cxnSp>
+            <p:cxnSp>
+              <p:nvCxnSpPr>
+                <p:cNvPr id="110" name="Straight Connector 109"/>
+                <p:cNvCxnSpPr/>
+                <p:nvPr/>
+              </p:nvCxnSpPr>
+              <p:spPr>
+                <a:xfrm rot="16200000">
+                  <a:off x="2768280" y="1671481"/>
+                  <a:ext cx="0" cy="306388"/>
+                </a:xfrm>
+                <a:prstGeom prst="line">
+                  <a:avLst/>
+                </a:prstGeom>
+                <a:ln w="28575">
+                  <a:solidFill>
+                    <a:schemeClr val="tx1"/>
+                  </a:solidFill>
+                </a:ln>
+              </p:spPr>
+              <p:style>
+                <a:lnRef idx="1">
+                  <a:schemeClr val="accent1"/>
+                </a:lnRef>
+                <a:fillRef idx="0">
+                  <a:schemeClr val="accent1"/>
+                </a:fillRef>
+                <a:effectRef idx="0">
+                  <a:schemeClr val="accent1"/>
+                </a:effectRef>
+                <a:fontRef idx="minor">
+                  <a:schemeClr val="tx1"/>
+                </a:fontRef>
+              </p:style>
+            </p:cxnSp>
+          </p:grpSp>
+          <p:grpSp>
+            <p:nvGrpSpPr>
+              <p:cNvPr id="111" name="Group 110"/>
+              <p:cNvGrpSpPr/>
+              <p:nvPr/>
+            </p:nvGrpSpPr>
+            <p:grpSpPr>
+              <a:xfrm>
+                <a:off x="1269392" y="2941956"/>
+                <a:ext cx="306388" cy="306388"/>
+                <a:chOff x="2615086" y="1678306"/>
+                <a:chExt cx="306388" cy="306388"/>
+              </a:xfrm>
+            </p:grpSpPr>
+            <p:cxnSp>
+              <p:nvCxnSpPr>
+                <p:cNvPr id="112" name="Straight Connector 111"/>
+                <p:cNvCxnSpPr/>
+                <p:nvPr/>
+              </p:nvCxnSpPr>
+              <p:spPr>
+                <a:xfrm>
+                  <a:off x="2768280" y="1678306"/>
+                  <a:ext cx="0" cy="306388"/>
+                </a:xfrm>
+                <a:prstGeom prst="line">
+                  <a:avLst/>
+                </a:prstGeom>
+                <a:ln w="28575">
+                  <a:solidFill>
+                    <a:schemeClr val="tx1"/>
+                  </a:solidFill>
+                </a:ln>
+              </p:spPr>
+              <p:style>
+                <a:lnRef idx="1">
+                  <a:schemeClr val="accent1"/>
+                </a:lnRef>
+                <a:fillRef idx="0">
+                  <a:schemeClr val="accent1"/>
+                </a:fillRef>
+                <a:effectRef idx="0">
+                  <a:schemeClr val="accent1"/>
+                </a:effectRef>
+                <a:fontRef idx="minor">
+                  <a:schemeClr val="tx1"/>
+                </a:fontRef>
+              </p:style>
+            </p:cxnSp>
+            <p:cxnSp>
+              <p:nvCxnSpPr>
+                <p:cNvPr id="113" name="Straight Connector 112"/>
+                <p:cNvCxnSpPr/>
+                <p:nvPr/>
+              </p:nvCxnSpPr>
+              <p:spPr>
+                <a:xfrm rot="16200000">
+                  <a:off x="2768280" y="1671481"/>
+                  <a:ext cx="0" cy="306388"/>
+                </a:xfrm>
+                <a:prstGeom prst="line">
+                  <a:avLst/>
+                </a:prstGeom>
+                <a:ln w="28575">
+                  <a:solidFill>
+                    <a:schemeClr val="tx1"/>
+                  </a:solidFill>
+                </a:ln>
+              </p:spPr>
+              <p:style>
+                <a:lnRef idx="1">
+                  <a:schemeClr val="accent1"/>
+                </a:lnRef>
+                <a:fillRef idx="0">
+                  <a:schemeClr val="accent1"/>
+                </a:fillRef>
+                <a:effectRef idx="0">
+                  <a:schemeClr val="accent1"/>
+                </a:effectRef>
+                <a:fontRef idx="minor">
+                  <a:schemeClr val="tx1"/>
+                </a:fontRef>
+              </p:style>
+            </p:cxnSp>
+          </p:grpSp>
+          <p:grpSp>
+            <p:nvGrpSpPr>
+              <p:cNvPr id="114" name="Group 113"/>
+              <p:cNvGrpSpPr/>
+              <p:nvPr/>
+            </p:nvGrpSpPr>
+            <p:grpSpPr>
+              <a:xfrm>
+                <a:off x="1269392" y="3386456"/>
+                <a:ext cx="306388" cy="306388"/>
+                <a:chOff x="2615086" y="1678306"/>
+                <a:chExt cx="306388" cy="306388"/>
+              </a:xfrm>
+            </p:grpSpPr>
+            <p:cxnSp>
+              <p:nvCxnSpPr>
+                <p:cNvPr id="115" name="Straight Connector 114"/>
+                <p:cNvCxnSpPr/>
+                <p:nvPr/>
+              </p:nvCxnSpPr>
+              <p:spPr>
+                <a:xfrm>
+                  <a:off x="2768280" y="1678306"/>
+                  <a:ext cx="0" cy="306388"/>
+                </a:xfrm>
+                <a:prstGeom prst="line">
+                  <a:avLst/>
+                </a:prstGeom>
+                <a:ln w="28575">
+                  <a:solidFill>
+                    <a:schemeClr val="tx1"/>
+                  </a:solidFill>
+                </a:ln>
+              </p:spPr>
+              <p:style>
+                <a:lnRef idx="1">
+                  <a:schemeClr val="accent1"/>
+                </a:lnRef>
+                <a:fillRef idx="0">
+                  <a:schemeClr val="accent1"/>
+                </a:fillRef>
+                <a:effectRef idx="0">
+                  <a:schemeClr val="accent1"/>
+                </a:effectRef>
+                <a:fontRef idx="minor">
+                  <a:schemeClr val="tx1"/>
+                </a:fontRef>
+              </p:style>
+            </p:cxnSp>
+            <p:cxnSp>
+              <p:nvCxnSpPr>
+                <p:cNvPr id="116" name="Straight Connector 115"/>
+                <p:cNvCxnSpPr/>
+                <p:nvPr/>
+              </p:nvCxnSpPr>
+              <p:spPr>
+                <a:xfrm rot="16200000">
+                  <a:off x="2768280" y="1671481"/>
+                  <a:ext cx="0" cy="306388"/>
+                </a:xfrm>
+                <a:prstGeom prst="line">
+                  <a:avLst/>
+                </a:prstGeom>
+                <a:ln w="28575">
+                  <a:solidFill>
+                    <a:schemeClr val="tx1"/>
+                  </a:solidFill>
+                </a:ln>
+              </p:spPr>
+              <p:style>
+                <a:lnRef idx="1">
+                  <a:schemeClr val="accent1"/>
+                </a:lnRef>
+                <a:fillRef idx="0">
+                  <a:schemeClr val="accent1"/>
+                </a:fillRef>
+                <a:effectRef idx="0">
+                  <a:schemeClr val="accent1"/>
+                </a:effectRef>
+                <a:fontRef idx="minor">
+                  <a:schemeClr val="tx1"/>
+                </a:fontRef>
+              </p:style>
+            </p:cxnSp>
+          </p:grpSp>
+          <p:grpSp>
+            <p:nvGrpSpPr>
+              <p:cNvPr id="117" name="Group 116"/>
+              <p:cNvGrpSpPr/>
+              <p:nvPr/>
+            </p:nvGrpSpPr>
+            <p:grpSpPr>
+              <a:xfrm>
+                <a:off x="1269392" y="3831171"/>
+                <a:ext cx="306388" cy="306388"/>
+                <a:chOff x="2615086" y="1678306"/>
+                <a:chExt cx="306388" cy="306388"/>
+              </a:xfrm>
+            </p:grpSpPr>
+            <p:cxnSp>
+              <p:nvCxnSpPr>
+                <p:cNvPr id="118" name="Straight Connector 117"/>
+                <p:cNvCxnSpPr/>
+                <p:nvPr/>
+              </p:nvCxnSpPr>
+              <p:spPr>
+                <a:xfrm>
+                  <a:off x="2768280" y="1678306"/>
+                  <a:ext cx="0" cy="306388"/>
+                </a:xfrm>
+                <a:prstGeom prst="line">
+                  <a:avLst/>
+                </a:prstGeom>
+                <a:ln w="28575">
+                  <a:solidFill>
+                    <a:schemeClr val="tx1"/>
+                  </a:solidFill>
+                </a:ln>
+              </p:spPr>
+              <p:style>
+                <a:lnRef idx="1">
+                  <a:schemeClr val="accent1"/>
+                </a:lnRef>
+                <a:fillRef idx="0">
+                  <a:schemeClr val="accent1"/>
+                </a:fillRef>
+                <a:effectRef idx="0">
+                  <a:schemeClr val="accent1"/>
+                </a:effectRef>
+                <a:fontRef idx="minor">
+                  <a:schemeClr val="tx1"/>
+                </a:fontRef>
+              </p:style>
+            </p:cxnSp>
+            <p:cxnSp>
+              <p:nvCxnSpPr>
+                <p:cNvPr id="119" name="Straight Connector 118"/>
+                <p:cNvCxnSpPr/>
+                <p:nvPr/>
+              </p:nvCxnSpPr>
+              <p:spPr>
+                <a:xfrm rot="16200000">
+                  <a:off x="2768280" y="1671481"/>
+                  <a:ext cx="0" cy="306388"/>
+                </a:xfrm>
+                <a:prstGeom prst="line">
+                  <a:avLst/>
+                </a:prstGeom>
+                <a:ln w="28575">
+                  <a:solidFill>
+                    <a:schemeClr val="tx1"/>
+                  </a:solidFill>
+                </a:ln>
+              </p:spPr>
+              <p:style>
+                <a:lnRef idx="1">
+                  <a:schemeClr val="accent1"/>
+                </a:lnRef>
+                <a:fillRef idx="0">
+                  <a:schemeClr val="accent1"/>
+                </a:fillRef>
+                <a:effectRef idx="0">
+                  <a:schemeClr val="accent1"/>
+                </a:effectRef>
+                <a:fontRef idx="minor">
+                  <a:schemeClr val="tx1"/>
+                </a:fontRef>
+              </p:style>
+            </p:cxnSp>
+          </p:grpSp>
+          <p:grpSp>
+            <p:nvGrpSpPr>
+              <p:cNvPr id="120" name="Group 119"/>
+              <p:cNvGrpSpPr/>
+              <p:nvPr/>
+            </p:nvGrpSpPr>
+            <p:grpSpPr>
+              <a:xfrm>
+                <a:off x="1269392" y="4276942"/>
+                <a:ext cx="306388" cy="306388"/>
+                <a:chOff x="2615086" y="1678306"/>
+                <a:chExt cx="306388" cy="306388"/>
+              </a:xfrm>
+            </p:grpSpPr>
+            <p:cxnSp>
+              <p:nvCxnSpPr>
+                <p:cNvPr id="121" name="Straight Connector 120"/>
+                <p:cNvCxnSpPr/>
+                <p:nvPr/>
+              </p:nvCxnSpPr>
+              <p:spPr>
+                <a:xfrm>
+                  <a:off x="2768280" y="1678306"/>
+                  <a:ext cx="0" cy="306388"/>
+                </a:xfrm>
+                <a:prstGeom prst="line">
+                  <a:avLst/>
+                </a:prstGeom>
+                <a:ln w="28575">
+                  <a:solidFill>
+                    <a:schemeClr val="tx1"/>
+                  </a:solidFill>
+                </a:ln>
+              </p:spPr>
+              <p:style>
+                <a:lnRef idx="1">
+                  <a:schemeClr val="accent1"/>
+                </a:lnRef>
+                <a:fillRef idx="0">
+                  <a:schemeClr val="accent1"/>
+                </a:fillRef>
+                <a:effectRef idx="0">
+                  <a:schemeClr val="accent1"/>
+                </a:effectRef>
+                <a:fontRef idx="minor">
+                  <a:schemeClr val="tx1"/>
+                </a:fontRef>
+              </p:style>
+            </p:cxnSp>
+            <p:cxnSp>
+              <p:nvCxnSpPr>
+                <p:cNvPr id="122" name="Straight Connector 121"/>
+                <p:cNvCxnSpPr/>
+                <p:nvPr/>
+              </p:nvCxnSpPr>
+              <p:spPr>
+                <a:xfrm rot="16200000">
+                  <a:off x="2768280" y="1671481"/>
+                  <a:ext cx="0" cy="306388"/>
+                </a:xfrm>
+                <a:prstGeom prst="line">
+                  <a:avLst/>
+                </a:prstGeom>
+                <a:ln w="28575">
+                  <a:solidFill>
+                    <a:schemeClr val="tx1"/>
+                  </a:solidFill>
+                </a:ln>
+              </p:spPr>
+              <p:style>
+                <a:lnRef idx="1">
+                  <a:schemeClr val="accent1"/>
+                </a:lnRef>
+                <a:fillRef idx="0">
+                  <a:schemeClr val="accent1"/>
+                </a:fillRef>
+                <a:effectRef idx="0">
+                  <a:schemeClr val="accent1"/>
+                </a:effectRef>
+                <a:fontRef idx="minor">
+                  <a:schemeClr val="tx1"/>
+                </a:fontRef>
+              </p:style>
+            </p:cxnSp>
+          </p:grpSp>
+          <p:grpSp>
+            <p:nvGrpSpPr>
+              <p:cNvPr id="123" name="Group 122"/>
+              <p:cNvGrpSpPr/>
+              <p:nvPr/>
+            </p:nvGrpSpPr>
+            <p:grpSpPr>
+              <a:xfrm>
+                <a:off x="4395424" y="2484756"/>
+                <a:ext cx="306388" cy="306388"/>
+                <a:chOff x="2615086" y="1678306"/>
+                <a:chExt cx="306388" cy="306388"/>
+              </a:xfrm>
+            </p:grpSpPr>
+            <p:cxnSp>
+              <p:nvCxnSpPr>
+                <p:cNvPr id="124" name="Straight Connector 123"/>
+                <p:cNvCxnSpPr/>
+                <p:nvPr/>
+              </p:nvCxnSpPr>
+              <p:spPr>
+                <a:xfrm>
+                  <a:off x="2768280" y="1678306"/>
+                  <a:ext cx="0" cy="306388"/>
+                </a:xfrm>
+                <a:prstGeom prst="line">
+                  <a:avLst/>
+                </a:prstGeom>
+                <a:ln w="28575">
+                  <a:solidFill>
+                    <a:schemeClr val="tx1"/>
+                  </a:solidFill>
+                </a:ln>
+              </p:spPr>
+              <p:style>
+                <a:lnRef idx="1">
+                  <a:schemeClr val="accent1"/>
+                </a:lnRef>
+                <a:fillRef idx="0">
+                  <a:schemeClr val="accent1"/>
+                </a:fillRef>
+                <a:effectRef idx="0">
+                  <a:schemeClr val="accent1"/>
+                </a:effectRef>
+                <a:fontRef idx="minor">
+                  <a:schemeClr val="tx1"/>
+                </a:fontRef>
+              </p:style>
+            </p:cxnSp>
+            <p:cxnSp>
+              <p:nvCxnSpPr>
+                <p:cNvPr id="125" name="Straight Connector 124"/>
+                <p:cNvCxnSpPr/>
+                <p:nvPr/>
+              </p:nvCxnSpPr>
+              <p:spPr>
+                <a:xfrm rot="16200000">
+                  <a:off x="2768280" y="1671481"/>
+                  <a:ext cx="0" cy="306388"/>
+                </a:xfrm>
+                <a:prstGeom prst="line">
+                  <a:avLst/>
+                </a:prstGeom>
+                <a:ln w="28575">
+                  <a:solidFill>
+                    <a:schemeClr val="tx1"/>
+                  </a:solidFill>
+                </a:ln>
+              </p:spPr>
+              <p:style>
+                <a:lnRef idx="1">
+                  <a:schemeClr val="accent1"/>
+                </a:lnRef>
+                <a:fillRef idx="0">
+                  <a:schemeClr val="accent1"/>
+                </a:fillRef>
+                <a:effectRef idx="0">
+                  <a:schemeClr val="accent1"/>
+                </a:effectRef>
+                <a:fontRef idx="minor">
+                  <a:schemeClr val="tx1"/>
+                </a:fontRef>
+              </p:style>
+            </p:cxnSp>
+          </p:grpSp>
+          <p:grpSp>
+            <p:nvGrpSpPr>
+              <p:cNvPr id="126" name="Group 125"/>
+              <p:cNvGrpSpPr/>
+              <p:nvPr/>
+            </p:nvGrpSpPr>
+            <p:grpSpPr>
+              <a:xfrm>
+                <a:off x="4395424" y="2941956"/>
+                <a:ext cx="306388" cy="306388"/>
+                <a:chOff x="2615086" y="1678306"/>
+                <a:chExt cx="306388" cy="306388"/>
+              </a:xfrm>
+            </p:grpSpPr>
+            <p:cxnSp>
+              <p:nvCxnSpPr>
+                <p:cNvPr id="127" name="Straight Connector 126"/>
+                <p:cNvCxnSpPr/>
+                <p:nvPr/>
+              </p:nvCxnSpPr>
+              <p:spPr>
+                <a:xfrm>
+                  <a:off x="2768280" y="1678306"/>
+                  <a:ext cx="0" cy="306388"/>
+                </a:xfrm>
+                <a:prstGeom prst="line">
+                  <a:avLst/>
+                </a:prstGeom>
+                <a:ln w="28575">
+                  <a:solidFill>
+                    <a:schemeClr val="tx1"/>
+                  </a:solidFill>
+                </a:ln>
+              </p:spPr>
+              <p:style>
+                <a:lnRef idx="1">
+                  <a:schemeClr val="accent1"/>
+                </a:lnRef>
+                <a:fillRef idx="0">
+                  <a:schemeClr val="accent1"/>
+                </a:fillRef>
+                <a:effectRef idx="0">
+                  <a:schemeClr val="accent1"/>
+                </a:effectRef>
+                <a:fontRef idx="minor">
+                  <a:schemeClr val="tx1"/>
+                </a:fontRef>
+              </p:style>
+            </p:cxnSp>
+            <p:cxnSp>
+              <p:nvCxnSpPr>
+                <p:cNvPr id="128" name="Straight Connector 127"/>
+                <p:cNvCxnSpPr/>
+                <p:nvPr/>
+              </p:nvCxnSpPr>
+              <p:spPr>
+                <a:xfrm rot="16200000">
+                  <a:off x="2768280" y="1671481"/>
+                  <a:ext cx="0" cy="306388"/>
+                </a:xfrm>
+                <a:prstGeom prst="line">
+                  <a:avLst/>
+                </a:prstGeom>
+                <a:ln w="28575">
+                  <a:solidFill>
+                    <a:schemeClr val="tx1"/>
+                  </a:solidFill>
+                </a:ln>
+              </p:spPr>
+              <p:style>
+                <a:lnRef idx="1">
+                  <a:schemeClr val="accent1"/>
+                </a:lnRef>
+                <a:fillRef idx="0">
+                  <a:schemeClr val="accent1"/>
+                </a:fillRef>
+                <a:effectRef idx="0">
+                  <a:schemeClr val="accent1"/>
+                </a:effectRef>
+                <a:fontRef idx="minor">
+                  <a:schemeClr val="tx1"/>
+                </a:fontRef>
+              </p:style>
+            </p:cxnSp>
+          </p:grpSp>
+          <p:grpSp>
+            <p:nvGrpSpPr>
+              <p:cNvPr id="129" name="Group 128"/>
+              <p:cNvGrpSpPr/>
+              <p:nvPr/>
+            </p:nvGrpSpPr>
+            <p:grpSpPr>
+              <a:xfrm>
+                <a:off x="4395424" y="3386456"/>
+                <a:ext cx="306388" cy="306388"/>
+                <a:chOff x="2615086" y="1678306"/>
+                <a:chExt cx="306388" cy="306388"/>
+              </a:xfrm>
+            </p:grpSpPr>
+            <p:cxnSp>
+              <p:nvCxnSpPr>
+                <p:cNvPr id="130" name="Straight Connector 129"/>
+                <p:cNvCxnSpPr/>
+                <p:nvPr/>
+              </p:nvCxnSpPr>
+              <p:spPr>
+                <a:xfrm>
+                  <a:off x="2768280" y="1678306"/>
+                  <a:ext cx="0" cy="306388"/>
+                </a:xfrm>
+                <a:prstGeom prst="line">
+                  <a:avLst/>
+                </a:prstGeom>
+                <a:ln w="28575">
+                  <a:solidFill>
+                    <a:schemeClr val="tx1"/>
+                  </a:solidFill>
+                </a:ln>
+              </p:spPr>
+              <p:style>
+                <a:lnRef idx="1">
+                  <a:schemeClr val="accent1"/>
+                </a:lnRef>
+                <a:fillRef idx="0">
+                  <a:schemeClr val="accent1"/>
+                </a:fillRef>
+                <a:effectRef idx="0">
+                  <a:schemeClr val="accent1"/>
+                </a:effectRef>
+                <a:fontRef idx="minor">
+                  <a:schemeClr val="tx1"/>
+                </a:fontRef>
+              </p:style>
+            </p:cxnSp>
+            <p:cxnSp>
+              <p:nvCxnSpPr>
+                <p:cNvPr id="131" name="Straight Connector 130"/>
+                <p:cNvCxnSpPr/>
+                <p:nvPr/>
+              </p:nvCxnSpPr>
+              <p:spPr>
+                <a:xfrm rot="16200000">
+                  <a:off x="2768280" y="1671481"/>
+                  <a:ext cx="0" cy="306388"/>
+                </a:xfrm>
+                <a:prstGeom prst="line">
+                  <a:avLst/>
+                </a:prstGeom>
+                <a:ln w="28575">
+                  <a:solidFill>
+                    <a:schemeClr val="tx1"/>
+                  </a:solidFill>
+                </a:ln>
+              </p:spPr>
+              <p:style>
+                <a:lnRef idx="1">
+                  <a:schemeClr val="accent1"/>
+                </a:lnRef>
+                <a:fillRef idx="0">
+                  <a:schemeClr val="accent1"/>
+                </a:fillRef>
+                <a:effectRef idx="0">
+                  <a:schemeClr val="accent1"/>
+                </a:effectRef>
+                <a:fontRef idx="minor">
+                  <a:schemeClr val="tx1"/>
+                </a:fontRef>
+              </p:style>
+            </p:cxnSp>
+          </p:grpSp>
+          <p:grpSp>
+            <p:nvGrpSpPr>
+              <p:cNvPr id="132" name="Group 131"/>
+              <p:cNvGrpSpPr/>
+              <p:nvPr/>
+            </p:nvGrpSpPr>
+            <p:grpSpPr>
+              <a:xfrm>
+                <a:off x="4395424" y="3831171"/>
+                <a:ext cx="306388" cy="306388"/>
+                <a:chOff x="2615086" y="1678306"/>
+                <a:chExt cx="306388" cy="306388"/>
+              </a:xfrm>
+            </p:grpSpPr>
+            <p:cxnSp>
+              <p:nvCxnSpPr>
+                <p:cNvPr id="133" name="Straight Connector 132"/>
+                <p:cNvCxnSpPr/>
+                <p:nvPr/>
+              </p:nvCxnSpPr>
+              <p:spPr>
+                <a:xfrm>
+                  <a:off x="2768280" y="1678306"/>
+                  <a:ext cx="0" cy="306388"/>
+                </a:xfrm>
+                <a:prstGeom prst="line">
+                  <a:avLst/>
+                </a:prstGeom>
+                <a:ln w="28575">
+                  <a:solidFill>
+                    <a:schemeClr val="tx1"/>
+                  </a:solidFill>
+                </a:ln>
+              </p:spPr>
+              <p:style>
+                <a:lnRef idx="1">
+                  <a:schemeClr val="accent1"/>
+                </a:lnRef>
+                <a:fillRef idx="0">
+                  <a:schemeClr val="accent1"/>
+                </a:fillRef>
+                <a:effectRef idx="0">
+                  <a:schemeClr val="accent1"/>
+                </a:effectRef>
+                <a:fontRef idx="minor">
+                  <a:schemeClr val="tx1"/>
+                </a:fontRef>
+              </p:style>
+            </p:cxnSp>
+            <p:cxnSp>
+              <p:nvCxnSpPr>
+                <p:cNvPr id="134" name="Straight Connector 133"/>
+                <p:cNvCxnSpPr/>
+                <p:nvPr/>
+              </p:nvCxnSpPr>
+              <p:spPr>
+                <a:xfrm rot="16200000">
+                  <a:off x="2768280" y="1671481"/>
+                  <a:ext cx="0" cy="306388"/>
+                </a:xfrm>
+                <a:prstGeom prst="line">
+                  <a:avLst/>
+                </a:prstGeom>
+                <a:ln w="28575">
+                  <a:solidFill>
+                    <a:schemeClr val="tx1"/>
+                  </a:solidFill>
+                </a:ln>
+              </p:spPr>
+              <p:style>
+                <a:lnRef idx="1">
+                  <a:schemeClr val="accent1"/>
+                </a:lnRef>
+                <a:fillRef idx="0">
+                  <a:schemeClr val="accent1"/>
+                </a:fillRef>
+                <a:effectRef idx="0">
+                  <a:schemeClr val="accent1"/>
+                </a:effectRef>
+                <a:fontRef idx="minor">
+                  <a:schemeClr val="tx1"/>
+                </a:fontRef>
+              </p:style>
+            </p:cxnSp>
+          </p:grpSp>
+          <p:grpSp>
+            <p:nvGrpSpPr>
+              <p:cNvPr id="135" name="Group 134"/>
+              <p:cNvGrpSpPr/>
+              <p:nvPr/>
+            </p:nvGrpSpPr>
+            <p:grpSpPr>
+              <a:xfrm>
+                <a:off x="4395424" y="4276942"/>
+                <a:ext cx="306388" cy="306388"/>
+                <a:chOff x="2615086" y="1678306"/>
+                <a:chExt cx="306388" cy="306388"/>
+              </a:xfrm>
+            </p:grpSpPr>
+            <p:cxnSp>
+              <p:nvCxnSpPr>
+                <p:cNvPr id="136" name="Straight Connector 135"/>
+                <p:cNvCxnSpPr/>
+                <p:nvPr/>
+              </p:nvCxnSpPr>
+              <p:spPr>
+                <a:xfrm>
+                  <a:off x="2768280" y="1678306"/>
+                  <a:ext cx="0" cy="306388"/>
+                </a:xfrm>
+                <a:prstGeom prst="line">
+                  <a:avLst/>
+                </a:prstGeom>
+                <a:ln w="28575">
+                  <a:solidFill>
+                    <a:schemeClr val="tx1"/>
+                  </a:solidFill>
+                </a:ln>
+              </p:spPr>
+              <p:style>
+                <a:lnRef idx="1">
+                  <a:schemeClr val="accent1"/>
+                </a:lnRef>
+                <a:fillRef idx="0">
+                  <a:schemeClr val="accent1"/>
+                </a:fillRef>
+                <a:effectRef idx="0">
+                  <a:schemeClr val="accent1"/>
+                </a:effectRef>
+                <a:fontRef idx="minor">
+                  <a:schemeClr val="tx1"/>
+                </a:fontRef>
+              </p:style>
+            </p:cxnSp>
+            <p:cxnSp>
+              <p:nvCxnSpPr>
+                <p:cNvPr id="137" name="Straight Connector 136"/>
+                <p:cNvCxnSpPr/>
+                <p:nvPr/>
+              </p:nvCxnSpPr>
+              <p:spPr>
+                <a:xfrm rot="16200000">
+                  <a:off x="2768280" y="1671481"/>
+                  <a:ext cx="0" cy="306388"/>
+                </a:xfrm>
+                <a:prstGeom prst="line">
+                  <a:avLst/>
+                </a:prstGeom>
+                <a:ln w="28575">
+                  <a:solidFill>
+                    <a:schemeClr val="tx1"/>
+                  </a:solidFill>
+                </a:ln>
+              </p:spPr>
+              <p:style>
+                <a:lnRef idx="1">
+                  <a:schemeClr val="accent1"/>
+                </a:lnRef>
+                <a:fillRef idx="0">
+                  <a:schemeClr val="accent1"/>
+                </a:fillRef>
+                <a:effectRef idx="0">
+                  <a:schemeClr val="accent1"/>
+                </a:effectRef>
+                <a:fontRef idx="minor">
+                  <a:schemeClr val="tx1"/>
+                </a:fontRef>
+              </p:style>
+            </p:cxnSp>
+          </p:grpSp>
+          <p:grpSp>
+            <p:nvGrpSpPr>
+              <p:cNvPr id="138" name="Group 137"/>
+              <p:cNvGrpSpPr/>
+              <p:nvPr/>
+            </p:nvGrpSpPr>
+            <p:grpSpPr>
+              <a:xfrm>
+                <a:off x="2441669" y="2270126"/>
+                <a:ext cx="306388" cy="306388"/>
+                <a:chOff x="2615086" y="1678306"/>
+                <a:chExt cx="306388" cy="306388"/>
+              </a:xfrm>
+            </p:grpSpPr>
+            <p:cxnSp>
+              <p:nvCxnSpPr>
+                <p:cNvPr id="139" name="Straight Connector 138"/>
+                <p:cNvCxnSpPr/>
+                <p:nvPr/>
+              </p:nvCxnSpPr>
+              <p:spPr>
+                <a:xfrm>
+                  <a:off x="2768280" y="1678306"/>
+                  <a:ext cx="0" cy="306388"/>
+                </a:xfrm>
+                <a:prstGeom prst="line">
+                  <a:avLst/>
+                </a:prstGeom>
+                <a:ln w="28575">
+                  <a:solidFill>
+                    <a:schemeClr val="tx1"/>
+                  </a:solidFill>
+                </a:ln>
+              </p:spPr>
+              <p:style>
+                <a:lnRef idx="1">
+                  <a:schemeClr val="accent1"/>
+                </a:lnRef>
+                <a:fillRef idx="0">
+                  <a:schemeClr val="accent1"/>
+                </a:fillRef>
+                <a:effectRef idx="0">
+                  <a:schemeClr val="accent1"/>
+                </a:effectRef>
+                <a:fontRef idx="minor">
+                  <a:schemeClr val="tx1"/>
+                </a:fontRef>
+              </p:style>
+            </p:cxnSp>
+            <p:cxnSp>
+              <p:nvCxnSpPr>
+                <p:cNvPr id="140" name="Straight Connector 139"/>
+                <p:cNvCxnSpPr/>
+                <p:nvPr/>
+              </p:nvCxnSpPr>
+              <p:spPr>
+                <a:xfrm rot="16200000">
+                  <a:off x="2768280" y="1671481"/>
+                  <a:ext cx="0" cy="306388"/>
+                </a:xfrm>
+                <a:prstGeom prst="line">
+                  <a:avLst/>
+                </a:prstGeom>
+                <a:ln w="28575">
+                  <a:solidFill>
+                    <a:schemeClr val="tx1"/>
+                  </a:solidFill>
+                </a:ln>
+              </p:spPr>
+              <p:style>
+                <a:lnRef idx="1">
+                  <a:schemeClr val="accent1"/>
+                </a:lnRef>
+                <a:fillRef idx="0">
+                  <a:schemeClr val="accent1"/>
+                </a:fillRef>
+                <a:effectRef idx="0">
+                  <a:schemeClr val="accent1"/>
+                </a:effectRef>
+                <a:fontRef idx="minor">
+                  <a:schemeClr val="tx1"/>
+                </a:fontRef>
+              </p:style>
+            </p:cxnSp>
+          </p:grpSp>
+          <p:grpSp>
+            <p:nvGrpSpPr>
+              <p:cNvPr id="141" name="Group 140"/>
+              <p:cNvGrpSpPr/>
+              <p:nvPr/>
+            </p:nvGrpSpPr>
+            <p:grpSpPr>
+              <a:xfrm>
+                <a:off x="2441669" y="2720976"/>
+                <a:ext cx="306388" cy="306388"/>
+                <a:chOff x="2615086" y="1678306"/>
+                <a:chExt cx="306388" cy="306388"/>
+              </a:xfrm>
+            </p:grpSpPr>
+            <p:cxnSp>
+              <p:nvCxnSpPr>
+                <p:cNvPr id="142" name="Straight Connector 141"/>
+                <p:cNvCxnSpPr/>
+                <p:nvPr/>
+              </p:nvCxnSpPr>
+              <p:spPr>
+                <a:xfrm>
+                  <a:off x="2768280" y="1678306"/>
+                  <a:ext cx="0" cy="306388"/>
+                </a:xfrm>
+                <a:prstGeom prst="line">
+                  <a:avLst/>
+                </a:prstGeom>
+                <a:ln w="28575">
+                  <a:solidFill>
+                    <a:schemeClr val="tx1"/>
+                  </a:solidFill>
+                </a:ln>
+              </p:spPr>
+              <p:style>
+                <a:lnRef idx="1">
+                  <a:schemeClr val="accent1"/>
+                </a:lnRef>
+                <a:fillRef idx="0">
+                  <a:schemeClr val="accent1"/>
+                </a:fillRef>
+                <a:effectRef idx="0">
+                  <a:schemeClr val="accent1"/>
+                </a:effectRef>
+                <a:fontRef idx="minor">
+                  <a:schemeClr val="tx1"/>
+                </a:fontRef>
+              </p:style>
+            </p:cxnSp>
+            <p:cxnSp>
+              <p:nvCxnSpPr>
+                <p:cNvPr id="143" name="Straight Connector 142"/>
+                <p:cNvCxnSpPr/>
+                <p:nvPr/>
+              </p:nvCxnSpPr>
+              <p:spPr>
+                <a:xfrm rot="16200000">
+                  <a:off x="2768280" y="1671481"/>
+                  <a:ext cx="0" cy="306388"/>
+                </a:xfrm>
+                <a:prstGeom prst="line">
+                  <a:avLst/>
+                </a:prstGeom>
+                <a:ln w="28575">
+                  <a:solidFill>
+                    <a:schemeClr val="tx1"/>
+                  </a:solidFill>
+                </a:ln>
+              </p:spPr>
+              <p:style>
+                <a:lnRef idx="1">
+                  <a:schemeClr val="accent1"/>
+                </a:lnRef>
+                <a:fillRef idx="0">
+                  <a:schemeClr val="accent1"/>
+                </a:fillRef>
+                <a:effectRef idx="0">
+                  <a:schemeClr val="accent1"/>
+                </a:effectRef>
+                <a:fontRef idx="minor">
+                  <a:schemeClr val="tx1"/>
+                </a:fontRef>
+              </p:style>
+            </p:cxnSp>
+          </p:grpSp>
+          <p:grpSp>
+            <p:nvGrpSpPr>
+              <p:cNvPr id="144" name="Group 143"/>
+              <p:cNvGrpSpPr/>
+              <p:nvPr/>
+            </p:nvGrpSpPr>
+            <p:grpSpPr>
+              <a:xfrm>
+                <a:off x="2441669" y="3178176"/>
+                <a:ext cx="306388" cy="306388"/>
+                <a:chOff x="2615086" y="1678306"/>
+                <a:chExt cx="306388" cy="306388"/>
+              </a:xfrm>
+            </p:grpSpPr>
+            <p:cxnSp>
+              <p:nvCxnSpPr>
+                <p:cNvPr id="145" name="Straight Connector 144"/>
+                <p:cNvCxnSpPr/>
+                <p:nvPr/>
+              </p:nvCxnSpPr>
+              <p:spPr>
+                <a:xfrm>
+                  <a:off x="2768280" y="1678306"/>
+                  <a:ext cx="0" cy="306388"/>
+                </a:xfrm>
+                <a:prstGeom prst="line">
+                  <a:avLst/>
+                </a:prstGeom>
+                <a:ln w="28575">
+                  <a:solidFill>
+                    <a:schemeClr val="tx1"/>
+                  </a:solidFill>
+                </a:ln>
+              </p:spPr>
+              <p:style>
+                <a:lnRef idx="1">
+                  <a:schemeClr val="accent1"/>
+                </a:lnRef>
+                <a:fillRef idx="0">
+                  <a:schemeClr val="accent1"/>
+                </a:fillRef>
+                <a:effectRef idx="0">
+                  <a:schemeClr val="accent1"/>
+                </a:effectRef>
+                <a:fontRef idx="minor">
+                  <a:schemeClr val="tx1"/>
+                </a:fontRef>
+              </p:style>
+            </p:cxnSp>
+            <p:cxnSp>
+              <p:nvCxnSpPr>
+                <p:cNvPr id="146" name="Straight Connector 145"/>
+                <p:cNvCxnSpPr/>
+                <p:nvPr/>
+              </p:nvCxnSpPr>
+              <p:spPr>
+                <a:xfrm rot="16200000">
+                  <a:off x="2768280" y="1671481"/>
+                  <a:ext cx="0" cy="306388"/>
+                </a:xfrm>
+                <a:prstGeom prst="line">
+                  <a:avLst/>
+                </a:prstGeom>
+                <a:ln w="28575">
+                  <a:solidFill>
+                    <a:schemeClr val="tx1"/>
+                  </a:solidFill>
+                </a:ln>
+              </p:spPr>
+              <p:style>
+                <a:lnRef idx="1">
+                  <a:schemeClr val="accent1"/>
+                </a:lnRef>
+                <a:fillRef idx="0">
+                  <a:schemeClr val="accent1"/>
+                </a:fillRef>
+                <a:effectRef idx="0">
+                  <a:schemeClr val="accent1"/>
+                </a:effectRef>
+                <a:fontRef idx="minor">
+                  <a:schemeClr val="tx1"/>
+                </a:fontRef>
+              </p:style>
+            </p:cxnSp>
+          </p:grpSp>
+          <p:grpSp>
+            <p:nvGrpSpPr>
+              <p:cNvPr id="147" name="Group 146"/>
+              <p:cNvGrpSpPr/>
+              <p:nvPr/>
+            </p:nvGrpSpPr>
+            <p:grpSpPr>
+              <a:xfrm>
+                <a:off x="2441669" y="3622676"/>
+                <a:ext cx="306388" cy="306388"/>
+                <a:chOff x="2615086" y="1678306"/>
+                <a:chExt cx="306388" cy="306388"/>
+              </a:xfrm>
+            </p:grpSpPr>
+            <p:cxnSp>
+              <p:nvCxnSpPr>
+                <p:cNvPr id="148" name="Straight Connector 147"/>
+                <p:cNvCxnSpPr/>
+                <p:nvPr/>
+              </p:nvCxnSpPr>
+              <p:spPr>
+                <a:xfrm>
+                  <a:off x="2768280" y="1678306"/>
+                  <a:ext cx="0" cy="306388"/>
+                </a:xfrm>
+                <a:prstGeom prst="line">
+                  <a:avLst/>
+                </a:prstGeom>
+                <a:ln w="28575">
+                  <a:solidFill>
+                    <a:schemeClr val="tx1"/>
+                  </a:solidFill>
+                </a:ln>
+              </p:spPr>
+              <p:style>
+                <a:lnRef idx="1">
+                  <a:schemeClr val="accent1"/>
+                </a:lnRef>
+                <a:fillRef idx="0">
+                  <a:schemeClr val="accent1"/>
+                </a:fillRef>
+                <a:effectRef idx="0">
+                  <a:schemeClr val="accent1"/>
+                </a:effectRef>
+                <a:fontRef idx="minor">
+                  <a:schemeClr val="tx1"/>
+                </a:fontRef>
+              </p:style>
+            </p:cxnSp>
+            <p:cxnSp>
+              <p:nvCxnSpPr>
+                <p:cNvPr id="149" name="Straight Connector 148"/>
+                <p:cNvCxnSpPr/>
+                <p:nvPr/>
+              </p:nvCxnSpPr>
+              <p:spPr>
+                <a:xfrm rot="16200000">
+                  <a:off x="2768280" y="1671481"/>
+                  <a:ext cx="0" cy="306388"/>
+                </a:xfrm>
+                <a:prstGeom prst="line">
+                  <a:avLst/>
+                </a:prstGeom>
+                <a:ln w="28575">
+                  <a:solidFill>
+                    <a:schemeClr val="tx1"/>
+                  </a:solidFill>
+                </a:ln>
+              </p:spPr>
+              <p:style>
+                <a:lnRef idx="1">
+                  <a:schemeClr val="accent1"/>
+                </a:lnRef>
+                <a:fillRef idx="0">
+                  <a:schemeClr val="accent1"/>
+                </a:fillRef>
+                <a:effectRef idx="0">
+                  <a:schemeClr val="accent1"/>
+                </a:effectRef>
+                <a:fontRef idx="minor">
+                  <a:schemeClr val="tx1"/>
+                </a:fontRef>
+              </p:style>
+            </p:cxnSp>
+          </p:grpSp>
+          <p:grpSp>
+            <p:nvGrpSpPr>
+              <p:cNvPr id="150" name="Group 149"/>
+              <p:cNvGrpSpPr/>
+              <p:nvPr/>
+            </p:nvGrpSpPr>
+            <p:grpSpPr>
+              <a:xfrm>
+                <a:off x="2441669" y="4067391"/>
+                <a:ext cx="306388" cy="306388"/>
+                <a:chOff x="2615086" y="1678306"/>
+                <a:chExt cx="306388" cy="306388"/>
+              </a:xfrm>
+            </p:grpSpPr>
+            <p:cxnSp>
+              <p:nvCxnSpPr>
+                <p:cNvPr id="151" name="Straight Connector 150"/>
+                <p:cNvCxnSpPr/>
+                <p:nvPr/>
+              </p:nvCxnSpPr>
+              <p:spPr>
+                <a:xfrm>
+                  <a:off x="2768280" y="1678306"/>
+                  <a:ext cx="0" cy="306388"/>
+                </a:xfrm>
+                <a:prstGeom prst="line">
+                  <a:avLst/>
+                </a:prstGeom>
+                <a:ln w="28575">
+                  <a:solidFill>
+                    <a:schemeClr val="tx1"/>
+                  </a:solidFill>
+                </a:ln>
+              </p:spPr>
+              <p:style>
+                <a:lnRef idx="1">
+                  <a:schemeClr val="accent1"/>
+                </a:lnRef>
+                <a:fillRef idx="0">
+                  <a:schemeClr val="accent1"/>
+                </a:fillRef>
+                <a:effectRef idx="0">
+                  <a:schemeClr val="accent1"/>
+                </a:effectRef>
+                <a:fontRef idx="minor">
+                  <a:schemeClr val="tx1"/>
+                </a:fontRef>
+              </p:style>
+            </p:cxnSp>
+            <p:cxnSp>
+              <p:nvCxnSpPr>
+                <p:cNvPr id="152" name="Straight Connector 151"/>
+                <p:cNvCxnSpPr/>
+                <p:nvPr/>
+              </p:nvCxnSpPr>
+              <p:spPr>
+                <a:xfrm rot="16200000">
+                  <a:off x="2768280" y="1671481"/>
+                  <a:ext cx="0" cy="306388"/>
+                </a:xfrm>
+                <a:prstGeom prst="line">
+                  <a:avLst/>
+                </a:prstGeom>
+                <a:ln w="28575">
+                  <a:solidFill>
+                    <a:schemeClr val="tx1"/>
+                  </a:solidFill>
+                </a:ln>
+              </p:spPr>
+              <p:style>
+                <a:lnRef idx="1">
+                  <a:schemeClr val="accent1"/>
+                </a:lnRef>
+                <a:fillRef idx="0">
+                  <a:schemeClr val="accent1"/>
+                </a:fillRef>
+                <a:effectRef idx="0">
+                  <a:schemeClr val="accent1"/>
+                </a:effectRef>
+                <a:fontRef idx="minor">
+                  <a:schemeClr val="tx1"/>
+                </a:fontRef>
+              </p:style>
+            </p:cxnSp>
+          </p:grpSp>
+          <p:grpSp>
+            <p:nvGrpSpPr>
+              <p:cNvPr id="153" name="Group 152"/>
+              <p:cNvGrpSpPr/>
+              <p:nvPr/>
+            </p:nvGrpSpPr>
+            <p:grpSpPr>
+              <a:xfrm>
+                <a:off x="2441669" y="4513162"/>
+                <a:ext cx="306388" cy="306388"/>
+                <a:chOff x="2615086" y="1678306"/>
+                <a:chExt cx="306388" cy="306388"/>
+              </a:xfrm>
+            </p:grpSpPr>
+            <p:cxnSp>
+              <p:nvCxnSpPr>
+                <p:cNvPr id="154" name="Straight Connector 153"/>
+                <p:cNvCxnSpPr/>
+                <p:nvPr/>
+              </p:nvCxnSpPr>
+              <p:spPr>
+                <a:xfrm>
+                  <a:off x="2768280" y="1678306"/>
+                  <a:ext cx="0" cy="306388"/>
+                </a:xfrm>
+                <a:prstGeom prst="line">
+                  <a:avLst/>
+                </a:prstGeom>
+                <a:ln w="28575">
+                  <a:solidFill>
+                    <a:schemeClr val="tx1"/>
+                  </a:solidFill>
+                </a:ln>
+              </p:spPr>
+              <p:style>
+                <a:lnRef idx="1">
+                  <a:schemeClr val="accent1"/>
+                </a:lnRef>
+                <a:fillRef idx="0">
+                  <a:schemeClr val="accent1"/>
+                </a:fillRef>
+                <a:effectRef idx="0">
+                  <a:schemeClr val="accent1"/>
+                </a:effectRef>
+                <a:fontRef idx="minor">
+                  <a:schemeClr val="tx1"/>
+                </a:fontRef>
+              </p:style>
+            </p:cxnSp>
+            <p:cxnSp>
+              <p:nvCxnSpPr>
+                <p:cNvPr id="155" name="Straight Connector 154"/>
+                <p:cNvCxnSpPr/>
+                <p:nvPr/>
+              </p:nvCxnSpPr>
+              <p:spPr>
+                <a:xfrm rot="16200000">
+                  <a:off x="2768280" y="1671481"/>
+                  <a:ext cx="0" cy="306388"/>
+                </a:xfrm>
+                <a:prstGeom prst="line">
+                  <a:avLst/>
+                </a:prstGeom>
+                <a:ln w="28575">
+                  <a:solidFill>
+                    <a:schemeClr val="tx1"/>
+                  </a:solidFill>
+                </a:ln>
+              </p:spPr>
+              <p:style>
+                <a:lnRef idx="1">
+                  <a:schemeClr val="accent1"/>
+                </a:lnRef>
+                <a:fillRef idx="0">
+                  <a:schemeClr val="accent1"/>
+                </a:fillRef>
+                <a:effectRef idx="0">
+                  <a:schemeClr val="accent1"/>
+                </a:effectRef>
+                <a:fontRef idx="minor">
+                  <a:schemeClr val="tx1"/>
+                </a:fontRef>
+              </p:style>
+            </p:cxnSp>
+          </p:grpSp>
+          <p:grpSp>
+            <p:nvGrpSpPr>
+              <p:cNvPr id="156" name="Group 155"/>
+              <p:cNvGrpSpPr/>
+              <p:nvPr/>
+            </p:nvGrpSpPr>
+            <p:grpSpPr>
+              <a:xfrm>
+                <a:off x="2441669" y="4968508"/>
+                <a:ext cx="306388" cy="306388"/>
+                <a:chOff x="2615086" y="1678306"/>
+                <a:chExt cx="306388" cy="306388"/>
+              </a:xfrm>
+            </p:grpSpPr>
+            <p:cxnSp>
+              <p:nvCxnSpPr>
+                <p:cNvPr id="157" name="Straight Connector 156"/>
+                <p:cNvCxnSpPr/>
+                <p:nvPr/>
+              </p:nvCxnSpPr>
+              <p:spPr>
+                <a:xfrm>
+                  <a:off x="2768280" y="1678306"/>
+                  <a:ext cx="0" cy="306388"/>
+                </a:xfrm>
+                <a:prstGeom prst="line">
+                  <a:avLst/>
+                </a:prstGeom>
+                <a:ln w="28575">
+                  <a:solidFill>
+                    <a:schemeClr val="tx1"/>
+                  </a:solidFill>
+                </a:ln>
+              </p:spPr>
+              <p:style>
+                <a:lnRef idx="1">
+                  <a:schemeClr val="accent1"/>
+                </a:lnRef>
+                <a:fillRef idx="0">
+                  <a:schemeClr val="accent1"/>
+                </a:fillRef>
+                <a:effectRef idx="0">
+                  <a:schemeClr val="accent1"/>
+                </a:effectRef>
+                <a:fontRef idx="minor">
+                  <a:schemeClr val="tx1"/>
+                </a:fontRef>
+              </p:style>
+            </p:cxnSp>
+            <p:cxnSp>
+              <p:nvCxnSpPr>
+                <p:cNvPr id="158" name="Straight Connector 157"/>
+                <p:cNvCxnSpPr/>
+                <p:nvPr/>
+              </p:nvCxnSpPr>
+              <p:spPr>
+                <a:xfrm rot="16200000">
+                  <a:off x="2768280" y="1671481"/>
+                  <a:ext cx="0" cy="306388"/>
+                </a:xfrm>
+                <a:prstGeom prst="line">
+                  <a:avLst/>
+                </a:prstGeom>
+                <a:ln w="28575">
+                  <a:solidFill>
+                    <a:schemeClr val="tx1"/>
+                  </a:solidFill>
+                </a:ln>
+              </p:spPr>
+              <p:style>
+                <a:lnRef idx="1">
+                  <a:schemeClr val="accent1"/>
+                </a:lnRef>
+                <a:fillRef idx="0">
+                  <a:schemeClr val="accent1"/>
+                </a:fillRef>
+                <a:effectRef idx="0">
+                  <a:schemeClr val="accent1"/>
+                </a:effectRef>
+                <a:fontRef idx="minor">
+                  <a:schemeClr val="tx1"/>
+                </a:fontRef>
+              </p:style>
+            </p:cxnSp>
+          </p:grpSp>
+          <p:grpSp>
+            <p:nvGrpSpPr>
+              <p:cNvPr id="159" name="Group 158"/>
+              <p:cNvGrpSpPr/>
+              <p:nvPr/>
+            </p:nvGrpSpPr>
+            <p:grpSpPr>
+              <a:xfrm>
+                <a:off x="3240149" y="2265370"/>
+                <a:ext cx="281626" cy="281626"/>
+                <a:chOff x="2182967" y="1690687"/>
+                <a:chExt cx="281626" cy="281626"/>
+              </a:xfrm>
+            </p:grpSpPr>
+            <p:cxnSp>
+              <p:nvCxnSpPr>
+                <p:cNvPr id="160" name="Straight Connector 159"/>
+                <p:cNvCxnSpPr/>
+                <p:nvPr/>
+              </p:nvCxnSpPr>
+              <p:spPr>
+                <a:xfrm>
+                  <a:off x="2182967" y="1690687"/>
+                  <a:ext cx="281626" cy="281626"/>
+                </a:xfrm>
+                <a:prstGeom prst="line">
+                  <a:avLst/>
+                </a:prstGeom>
+                <a:ln w="28575">
+                  <a:solidFill>
+                    <a:srgbClr val="FF0000"/>
+                  </a:solidFill>
+                </a:ln>
+              </p:spPr>
+              <p:style>
+                <a:lnRef idx="1">
+                  <a:schemeClr val="accent1"/>
+                </a:lnRef>
+                <a:fillRef idx="0">
+                  <a:schemeClr val="accent1"/>
+                </a:fillRef>
+                <a:effectRef idx="0">
+                  <a:schemeClr val="accent1"/>
+                </a:effectRef>
+                <a:fontRef idx="minor">
+                  <a:schemeClr val="tx1"/>
+                </a:fontRef>
+              </p:style>
+            </p:cxnSp>
+            <p:cxnSp>
+              <p:nvCxnSpPr>
+                <p:cNvPr id="161" name="Straight Connector 160"/>
+                <p:cNvCxnSpPr/>
+                <p:nvPr/>
+              </p:nvCxnSpPr>
+              <p:spPr>
+                <a:xfrm flipH="1">
+                  <a:off x="2182967" y="1690687"/>
+                  <a:ext cx="281626" cy="281626"/>
+                </a:xfrm>
+                <a:prstGeom prst="line">
+                  <a:avLst/>
+                </a:prstGeom>
+                <a:ln w="28575">
+                  <a:solidFill>
+                    <a:srgbClr val="FF0000"/>
+                  </a:solidFill>
+                </a:ln>
+              </p:spPr>
+              <p:style>
+                <a:lnRef idx="1">
+                  <a:schemeClr val="accent1"/>
+                </a:lnRef>
+                <a:fillRef idx="0">
+                  <a:schemeClr val="accent1"/>
+                </a:fillRef>
+                <a:effectRef idx="0">
+                  <a:schemeClr val="accent1"/>
+                </a:effectRef>
+                <a:fontRef idx="minor">
+                  <a:schemeClr val="tx1"/>
+                </a:fontRef>
+              </p:style>
+            </p:cxnSp>
+          </p:grpSp>
+          <p:grpSp>
+            <p:nvGrpSpPr>
+              <p:cNvPr id="162" name="Group 161"/>
+              <p:cNvGrpSpPr/>
+              <p:nvPr/>
+            </p:nvGrpSpPr>
+            <p:grpSpPr>
+              <a:xfrm>
+                <a:off x="3240149" y="2716220"/>
+                <a:ext cx="281626" cy="281626"/>
+                <a:chOff x="2182967" y="1690687"/>
+                <a:chExt cx="281626" cy="281626"/>
+              </a:xfrm>
+            </p:grpSpPr>
+            <p:cxnSp>
+              <p:nvCxnSpPr>
+                <p:cNvPr id="163" name="Straight Connector 162"/>
+                <p:cNvCxnSpPr/>
+                <p:nvPr/>
+              </p:nvCxnSpPr>
+              <p:spPr>
+                <a:xfrm>
+                  <a:off x="2182967" y="1690687"/>
+                  <a:ext cx="281626" cy="281626"/>
+                </a:xfrm>
+                <a:prstGeom prst="line">
+                  <a:avLst/>
+                </a:prstGeom>
+                <a:ln w="28575">
+                  <a:solidFill>
+                    <a:srgbClr val="FF0000"/>
+                  </a:solidFill>
+                </a:ln>
+              </p:spPr>
+              <p:style>
+                <a:lnRef idx="1">
+                  <a:schemeClr val="accent1"/>
+                </a:lnRef>
+                <a:fillRef idx="0">
+                  <a:schemeClr val="accent1"/>
+                </a:fillRef>
+                <a:effectRef idx="0">
+                  <a:schemeClr val="accent1"/>
+                </a:effectRef>
+                <a:fontRef idx="minor">
+                  <a:schemeClr val="tx1"/>
+                </a:fontRef>
+              </p:style>
+            </p:cxnSp>
+            <p:cxnSp>
+              <p:nvCxnSpPr>
+                <p:cNvPr id="164" name="Straight Connector 163"/>
+                <p:cNvCxnSpPr/>
+                <p:nvPr/>
+              </p:nvCxnSpPr>
+              <p:spPr>
+                <a:xfrm flipH="1">
+                  <a:off x="2182967" y="1690687"/>
+                  <a:ext cx="281626" cy="281626"/>
+                </a:xfrm>
+                <a:prstGeom prst="line">
+                  <a:avLst/>
+                </a:prstGeom>
+                <a:ln w="28575">
+                  <a:solidFill>
+                    <a:srgbClr val="FF0000"/>
+                  </a:solidFill>
+                </a:ln>
+              </p:spPr>
+              <p:style>
+                <a:lnRef idx="1">
+                  <a:schemeClr val="accent1"/>
+                </a:lnRef>
+                <a:fillRef idx="0">
+                  <a:schemeClr val="accent1"/>
+                </a:fillRef>
+                <a:effectRef idx="0">
+                  <a:schemeClr val="accent1"/>
+                </a:effectRef>
+                <a:fontRef idx="minor">
+                  <a:schemeClr val="tx1"/>
+                </a:fontRef>
+              </p:style>
+            </p:cxnSp>
+          </p:grpSp>
+          <p:grpSp>
+            <p:nvGrpSpPr>
+              <p:cNvPr id="165" name="Group 164"/>
+              <p:cNvGrpSpPr/>
+              <p:nvPr/>
+            </p:nvGrpSpPr>
+            <p:grpSpPr>
+              <a:xfrm>
+                <a:off x="3240149" y="3163894"/>
+                <a:ext cx="281626" cy="281626"/>
+                <a:chOff x="2182967" y="1690687"/>
+                <a:chExt cx="281626" cy="281626"/>
+              </a:xfrm>
+            </p:grpSpPr>
+            <p:cxnSp>
+              <p:nvCxnSpPr>
+                <p:cNvPr id="166" name="Straight Connector 165"/>
+                <p:cNvCxnSpPr/>
+                <p:nvPr/>
+              </p:nvCxnSpPr>
+              <p:spPr>
+                <a:xfrm>
+                  <a:off x="2182967" y="1690687"/>
+                  <a:ext cx="281626" cy="281626"/>
+                </a:xfrm>
+                <a:prstGeom prst="line">
+                  <a:avLst/>
+                </a:prstGeom>
+                <a:ln w="28575">
+                  <a:solidFill>
+                    <a:srgbClr val="FF0000"/>
+                  </a:solidFill>
+                </a:ln>
+              </p:spPr>
+              <p:style>
+                <a:lnRef idx="1">
+                  <a:schemeClr val="accent1"/>
+                </a:lnRef>
+                <a:fillRef idx="0">
+                  <a:schemeClr val="accent1"/>
+                </a:fillRef>
+                <a:effectRef idx="0">
+                  <a:schemeClr val="accent1"/>
+                </a:effectRef>
+                <a:fontRef idx="minor">
+                  <a:schemeClr val="tx1"/>
+                </a:fontRef>
+              </p:style>
+            </p:cxnSp>
+            <p:cxnSp>
+              <p:nvCxnSpPr>
+                <p:cNvPr id="167" name="Straight Connector 166"/>
+                <p:cNvCxnSpPr/>
+                <p:nvPr/>
+              </p:nvCxnSpPr>
+              <p:spPr>
+                <a:xfrm flipH="1">
+                  <a:off x="2182967" y="1690687"/>
+                  <a:ext cx="281626" cy="281626"/>
+                </a:xfrm>
+                <a:prstGeom prst="line">
+                  <a:avLst/>
+                </a:prstGeom>
+                <a:ln w="28575">
+                  <a:solidFill>
+                    <a:srgbClr val="FF0000"/>
+                  </a:solidFill>
+                </a:ln>
+              </p:spPr>
+              <p:style>
+                <a:lnRef idx="1">
+                  <a:schemeClr val="accent1"/>
+                </a:lnRef>
+                <a:fillRef idx="0">
+                  <a:schemeClr val="accent1"/>
+                </a:fillRef>
+                <a:effectRef idx="0">
+                  <a:schemeClr val="accent1"/>
+                </a:effectRef>
+                <a:fontRef idx="minor">
+                  <a:schemeClr val="tx1"/>
+                </a:fontRef>
+              </p:style>
+            </p:cxnSp>
+          </p:grpSp>
+          <p:grpSp>
+            <p:nvGrpSpPr>
+              <p:cNvPr id="168" name="Group 167"/>
+              <p:cNvGrpSpPr/>
+              <p:nvPr/>
+            </p:nvGrpSpPr>
+            <p:grpSpPr>
+              <a:xfrm>
+                <a:off x="3240149" y="3615065"/>
+                <a:ext cx="281626" cy="281626"/>
+                <a:chOff x="2182967" y="1690687"/>
+                <a:chExt cx="281626" cy="281626"/>
+              </a:xfrm>
+            </p:grpSpPr>
+            <p:cxnSp>
+              <p:nvCxnSpPr>
+                <p:cNvPr id="169" name="Straight Connector 168"/>
+                <p:cNvCxnSpPr/>
+                <p:nvPr/>
+              </p:nvCxnSpPr>
+              <p:spPr>
+                <a:xfrm>
+                  <a:off x="2182967" y="1690687"/>
+                  <a:ext cx="281626" cy="281626"/>
+                </a:xfrm>
+                <a:prstGeom prst="line">
+                  <a:avLst/>
+                </a:prstGeom>
+                <a:ln w="28575">
+                  <a:solidFill>
+                    <a:srgbClr val="FF0000"/>
+                  </a:solidFill>
+                </a:ln>
+              </p:spPr>
+              <p:style>
+                <a:lnRef idx="1">
+                  <a:schemeClr val="accent1"/>
+                </a:lnRef>
+                <a:fillRef idx="0">
+                  <a:schemeClr val="accent1"/>
+                </a:fillRef>
+                <a:effectRef idx="0">
+                  <a:schemeClr val="accent1"/>
+                </a:effectRef>
+                <a:fontRef idx="minor">
+                  <a:schemeClr val="tx1"/>
+                </a:fontRef>
+              </p:style>
+            </p:cxnSp>
+            <p:cxnSp>
+              <p:nvCxnSpPr>
+                <p:cNvPr id="170" name="Straight Connector 169"/>
+                <p:cNvCxnSpPr/>
+                <p:nvPr/>
+              </p:nvCxnSpPr>
+              <p:spPr>
+                <a:xfrm flipH="1">
+                  <a:off x="2182967" y="1690687"/>
+                  <a:ext cx="281626" cy="281626"/>
+                </a:xfrm>
+                <a:prstGeom prst="line">
+                  <a:avLst/>
+                </a:prstGeom>
+                <a:ln w="28575">
+                  <a:solidFill>
+                    <a:srgbClr val="FF0000"/>
+                  </a:solidFill>
+                </a:ln>
+              </p:spPr>
+              <p:style>
+                <a:lnRef idx="1">
+                  <a:schemeClr val="accent1"/>
+                </a:lnRef>
+                <a:fillRef idx="0">
+                  <a:schemeClr val="accent1"/>
+                </a:fillRef>
+                <a:effectRef idx="0">
+                  <a:schemeClr val="accent1"/>
+                </a:effectRef>
+                <a:fontRef idx="minor">
+                  <a:schemeClr val="tx1"/>
+                </a:fontRef>
+              </p:style>
+            </p:cxnSp>
+          </p:grpSp>
+          <p:grpSp>
+            <p:nvGrpSpPr>
+              <p:cNvPr id="171" name="Group 170"/>
+              <p:cNvGrpSpPr/>
+              <p:nvPr/>
+            </p:nvGrpSpPr>
+            <p:grpSpPr>
+              <a:xfrm>
+                <a:off x="3240149" y="4065336"/>
+                <a:ext cx="281626" cy="281626"/>
+                <a:chOff x="2182967" y="1690687"/>
+                <a:chExt cx="281626" cy="281626"/>
+              </a:xfrm>
+            </p:grpSpPr>
+            <p:cxnSp>
+              <p:nvCxnSpPr>
+                <p:cNvPr id="172" name="Straight Connector 171"/>
+                <p:cNvCxnSpPr/>
+                <p:nvPr/>
+              </p:nvCxnSpPr>
+              <p:spPr>
+                <a:xfrm>
+                  <a:off x="2182967" y="1690687"/>
+                  <a:ext cx="281626" cy="281626"/>
+                </a:xfrm>
+                <a:prstGeom prst="line">
+                  <a:avLst/>
+                </a:prstGeom>
+                <a:ln w="28575">
+                  <a:solidFill>
+                    <a:srgbClr val="FF0000"/>
+                  </a:solidFill>
+                </a:ln>
+              </p:spPr>
+              <p:style>
+                <a:lnRef idx="1">
+                  <a:schemeClr val="accent1"/>
+                </a:lnRef>
+                <a:fillRef idx="0">
+                  <a:schemeClr val="accent1"/>
+                </a:fillRef>
+                <a:effectRef idx="0">
+                  <a:schemeClr val="accent1"/>
+                </a:effectRef>
+                <a:fontRef idx="minor">
+                  <a:schemeClr val="tx1"/>
+                </a:fontRef>
+              </p:style>
+            </p:cxnSp>
+            <p:cxnSp>
+              <p:nvCxnSpPr>
+                <p:cNvPr id="173" name="Straight Connector 172"/>
+                <p:cNvCxnSpPr/>
+                <p:nvPr/>
+              </p:nvCxnSpPr>
+              <p:spPr>
+                <a:xfrm flipH="1">
+                  <a:off x="2182967" y="1690687"/>
+                  <a:ext cx="281626" cy="281626"/>
+                </a:xfrm>
+                <a:prstGeom prst="line">
+                  <a:avLst/>
+                </a:prstGeom>
+                <a:ln w="28575">
+                  <a:solidFill>
+                    <a:srgbClr val="FF0000"/>
+                  </a:solidFill>
+                </a:ln>
+              </p:spPr>
+              <p:style>
+                <a:lnRef idx="1">
+                  <a:schemeClr val="accent1"/>
+                </a:lnRef>
+                <a:fillRef idx="0">
+                  <a:schemeClr val="accent1"/>
+                </a:fillRef>
+                <a:effectRef idx="0">
+                  <a:schemeClr val="accent1"/>
+                </a:effectRef>
+                <a:fontRef idx="minor">
+                  <a:schemeClr val="tx1"/>
+                </a:fontRef>
+              </p:style>
+            </p:cxnSp>
+          </p:grpSp>
+          <p:grpSp>
+            <p:nvGrpSpPr>
+              <p:cNvPr id="174" name="Group 173"/>
+              <p:cNvGrpSpPr/>
+              <p:nvPr/>
+            </p:nvGrpSpPr>
+            <p:grpSpPr>
+              <a:xfrm>
+                <a:off x="3240149" y="4517515"/>
+                <a:ext cx="281626" cy="281626"/>
+                <a:chOff x="2182967" y="1690687"/>
+                <a:chExt cx="281626" cy="281626"/>
+              </a:xfrm>
+            </p:grpSpPr>
+            <p:cxnSp>
+              <p:nvCxnSpPr>
+                <p:cNvPr id="175" name="Straight Connector 174"/>
+                <p:cNvCxnSpPr/>
+                <p:nvPr/>
+              </p:nvCxnSpPr>
+              <p:spPr>
+                <a:xfrm>
+                  <a:off x="2182967" y="1690687"/>
+                  <a:ext cx="281626" cy="281626"/>
+                </a:xfrm>
+                <a:prstGeom prst="line">
+                  <a:avLst/>
+                </a:prstGeom>
+                <a:ln w="28575">
+                  <a:solidFill>
+                    <a:srgbClr val="FF0000"/>
+                  </a:solidFill>
+                </a:ln>
+              </p:spPr>
+              <p:style>
+                <a:lnRef idx="1">
+                  <a:schemeClr val="accent1"/>
+                </a:lnRef>
+                <a:fillRef idx="0">
+                  <a:schemeClr val="accent1"/>
+                </a:fillRef>
+                <a:effectRef idx="0">
+                  <a:schemeClr val="accent1"/>
+                </a:effectRef>
+                <a:fontRef idx="minor">
+                  <a:schemeClr val="tx1"/>
+                </a:fontRef>
+              </p:style>
+            </p:cxnSp>
+            <p:cxnSp>
+              <p:nvCxnSpPr>
+                <p:cNvPr id="176" name="Straight Connector 175"/>
+                <p:cNvCxnSpPr/>
+                <p:nvPr/>
+              </p:nvCxnSpPr>
+              <p:spPr>
+                <a:xfrm flipH="1">
+                  <a:off x="2182967" y="1690687"/>
+                  <a:ext cx="281626" cy="281626"/>
+                </a:xfrm>
+                <a:prstGeom prst="line">
+                  <a:avLst/>
+                </a:prstGeom>
+                <a:ln w="28575">
+                  <a:solidFill>
+                    <a:srgbClr val="FF0000"/>
+                  </a:solidFill>
+                </a:ln>
+              </p:spPr>
+              <p:style>
+                <a:lnRef idx="1">
+                  <a:schemeClr val="accent1"/>
+                </a:lnRef>
+                <a:fillRef idx="0">
+                  <a:schemeClr val="accent1"/>
+                </a:fillRef>
+                <a:effectRef idx="0">
+                  <a:schemeClr val="accent1"/>
+                </a:effectRef>
+                <a:fontRef idx="minor">
+                  <a:schemeClr val="tx1"/>
+                </a:fontRef>
+              </p:style>
+            </p:cxnSp>
+          </p:grpSp>
+          <p:grpSp>
+            <p:nvGrpSpPr>
+              <p:cNvPr id="177" name="Group 176"/>
+              <p:cNvGrpSpPr/>
+              <p:nvPr/>
+            </p:nvGrpSpPr>
+            <p:grpSpPr>
+              <a:xfrm>
+                <a:off x="3240149" y="4963752"/>
+                <a:ext cx="281626" cy="281626"/>
+                <a:chOff x="2182967" y="1690687"/>
+                <a:chExt cx="281626" cy="281626"/>
+              </a:xfrm>
+            </p:grpSpPr>
+            <p:cxnSp>
+              <p:nvCxnSpPr>
+                <p:cNvPr id="178" name="Straight Connector 177"/>
+                <p:cNvCxnSpPr/>
+                <p:nvPr/>
+              </p:nvCxnSpPr>
+              <p:spPr>
+                <a:xfrm>
+                  <a:off x="2182967" y="1690687"/>
+                  <a:ext cx="281626" cy="281626"/>
+                </a:xfrm>
+                <a:prstGeom prst="line">
+                  <a:avLst/>
+                </a:prstGeom>
+                <a:ln w="28575">
+                  <a:solidFill>
+                    <a:srgbClr val="FF0000"/>
+                  </a:solidFill>
+                </a:ln>
+              </p:spPr>
+              <p:style>
+                <a:lnRef idx="1">
+                  <a:schemeClr val="accent1"/>
+                </a:lnRef>
+                <a:fillRef idx="0">
+                  <a:schemeClr val="accent1"/>
+                </a:fillRef>
+                <a:effectRef idx="0">
+                  <a:schemeClr val="accent1"/>
+                </a:effectRef>
+                <a:fontRef idx="minor">
+                  <a:schemeClr val="tx1"/>
+                </a:fontRef>
+              </p:style>
+            </p:cxnSp>
+            <p:cxnSp>
+              <p:nvCxnSpPr>
+                <p:cNvPr id="179" name="Straight Connector 178"/>
+                <p:cNvCxnSpPr/>
+                <p:nvPr/>
+              </p:nvCxnSpPr>
+              <p:spPr>
+                <a:xfrm flipH="1">
+                  <a:off x="2182967" y="1690687"/>
+                  <a:ext cx="281626" cy="281626"/>
+                </a:xfrm>
+                <a:prstGeom prst="line">
+                  <a:avLst/>
+                </a:prstGeom>
+                <a:ln w="28575">
+                  <a:solidFill>
+                    <a:srgbClr val="FF0000"/>
+                  </a:solidFill>
+                </a:ln>
+              </p:spPr>
+              <p:style>
+                <a:lnRef idx="1">
+                  <a:schemeClr val="accent1"/>
+                </a:lnRef>
+                <a:fillRef idx="0">
+                  <a:schemeClr val="accent1"/>
+                </a:fillRef>
+                <a:effectRef idx="0">
+                  <a:schemeClr val="accent1"/>
+                </a:effectRef>
+                <a:fontRef idx="minor">
+                  <a:schemeClr val="tx1"/>
+                </a:fontRef>
+              </p:style>
+            </p:cxnSp>
+          </p:grpSp>
+          <p:grpSp>
+            <p:nvGrpSpPr>
+              <p:cNvPr id="180" name="Group 179"/>
+              <p:cNvGrpSpPr/>
+              <p:nvPr/>
+            </p:nvGrpSpPr>
+            <p:grpSpPr>
+              <a:xfrm>
+                <a:off x="1674400" y="2265370"/>
+                <a:ext cx="281626" cy="281626"/>
+                <a:chOff x="2182967" y="1690687"/>
+                <a:chExt cx="281626" cy="281626"/>
+              </a:xfrm>
+            </p:grpSpPr>
+            <p:cxnSp>
+              <p:nvCxnSpPr>
+                <p:cNvPr id="181" name="Straight Connector 180"/>
+                <p:cNvCxnSpPr/>
+                <p:nvPr/>
+              </p:nvCxnSpPr>
+              <p:spPr>
+                <a:xfrm>
+                  <a:off x="2182967" y="1690687"/>
+                  <a:ext cx="281626" cy="281626"/>
+                </a:xfrm>
+                <a:prstGeom prst="line">
+                  <a:avLst/>
+                </a:prstGeom>
+                <a:ln w="28575">
+                  <a:solidFill>
+                    <a:srgbClr val="FF0000"/>
+                  </a:solidFill>
+                </a:ln>
+              </p:spPr>
+              <p:style>
+                <a:lnRef idx="1">
+                  <a:schemeClr val="accent1"/>
+                </a:lnRef>
+                <a:fillRef idx="0">
+                  <a:schemeClr val="accent1"/>
+                </a:fillRef>
+                <a:effectRef idx="0">
+                  <a:schemeClr val="accent1"/>
+                </a:effectRef>
+                <a:fontRef idx="minor">
+                  <a:schemeClr val="tx1"/>
+                </a:fontRef>
+              </p:style>
+            </p:cxnSp>
+            <p:cxnSp>
+              <p:nvCxnSpPr>
+                <p:cNvPr id="182" name="Straight Connector 181"/>
+                <p:cNvCxnSpPr/>
+                <p:nvPr/>
+              </p:nvCxnSpPr>
+              <p:spPr>
+                <a:xfrm flipH="1">
+                  <a:off x="2182967" y="1690687"/>
+                  <a:ext cx="281626" cy="281626"/>
+                </a:xfrm>
+                <a:prstGeom prst="line">
+                  <a:avLst/>
+                </a:prstGeom>
+                <a:ln w="28575">
+                  <a:solidFill>
+                    <a:srgbClr val="FF0000"/>
+                  </a:solidFill>
+                </a:ln>
+              </p:spPr>
+              <p:style>
+                <a:lnRef idx="1">
+                  <a:schemeClr val="accent1"/>
+                </a:lnRef>
+                <a:fillRef idx="0">
+                  <a:schemeClr val="accent1"/>
+                </a:fillRef>
+                <a:effectRef idx="0">
+                  <a:schemeClr val="accent1"/>
+                </a:effectRef>
+                <a:fontRef idx="minor">
+                  <a:schemeClr val="tx1"/>
+                </a:fontRef>
+              </p:style>
+            </p:cxnSp>
+          </p:grpSp>
+          <p:grpSp>
+            <p:nvGrpSpPr>
+              <p:cNvPr id="183" name="Group 182"/>
+              <p:cNvGrpSpPr/>
+              <p:nvPr/>
+            </p:nvGrpSpPr>
+            <p:grpSpPr>
+              <a:xfrm>
+                <a:off x="1674400" y="2716220"/>
+                <a:ext cx="281626" cy="281626"/>
+                <a:chOff x="2182967" y="1690687"/>
+                <a:chExt cx="281626" cy="281626"/>
+              </a:xfrm>
+            </p:grpSpPr>
+            <p:cxnSp>
+              <p:nvCxnSpPr>
+                <p:cNvPr id="184" name="Straight Connector 183"/>
+                <p:cNvCxnSpPr/>
+                <p:nvPr/>
+              </p:nvCxnSpPr>
+              <p:spPr>
+                <a:xfrm>
+                  <a:off x="2182967" y="1690687"/>
+                  <a:ext cx="281626" cy="281626"/>
+                </a:xfrm>
+                <a:prstGeom prst="line">
+                  <a:avLst/>
+                </a:prstGeom>
+                <a:ln w="28575">
+                  <a:solidFill>
+                    <a:srgbClr val="FF0000"/>
+                  </a:solidFill>
+                </a:ln>
+              </p:spPr>
+              <p:style>
+                <a:lnRef idx="1">
+                  <a:schemeClr val="accent1"/>
+                </a:lnRef>
+                <a:fillRef idx="0">
+                  <a:schemeClr val="accent1"/>
+                </a:fillRef>
+                <a:effectRef idx="0">
+                  <a:schemeClr val="accent1"/>
+                </a:effectRef>
+                <a:fontRef idx="minor">
+                  <a:schemeClr val="tx1"/>
+                </a:fontRef>
+              </p:style>
+            </p:cxnSp>
+            <p:cxnSp>
+              <p:nvCxnSpPr>
+                <p:cNvPr id="185" name="Straight Connector 184"/>
+                <p:cNvCxnSpPr/>
+                <p:nvPr/>
+              </p:nvCxnSpPr>
+              <p:spPr>
+                <a:xfrm flipH="1">
+                  <a:off x="2182967" y="1690687"/>
+                  <a:ext cx="281626" cy="281626"/>
+                </a:xfrm>
+                <a:prstGeom prst="line">
+                  <a:avLst/>
+                </a:prstGeom>
+                <a:ln w="28575">
+                  <a:solidFill>
+                    <a:srgbClr val="FF0000"/>
+                  </a:solidFill>
+                </a:ln>
+              </p:spPr>
+              <p:style>
+                <a:lnRef idx="1">
+                  <a:schemeClr val="accent1"/>
+                </a:lnRef>
+                <a:fillRef idx="0">
+                  <a:schemeClr val="accent1"/>
+                </a:fillRef>
+                <a:effectRef idx="0">
+                  <a:schemeClr val="accent1"/>
+                </a:effectRef>
+                <a:fontRef idx="minor">
+                  <a:schemeClr val="tx1"/>
+                </a:fontRef>
+              </p:style>
+            </p:cxnSp>
+          </p:grpSp>
+          <p:grpSp>
+            <p:nvGrpSpPr>
+              <p:cNvPr id="186" name="Group 185"/>
+              <p:cNvGrpSpPr/>
+              <p:nvPr/>
+            </p:nvGrpSpPr>
+            <p:grpSpPr>
+              <a:xfrm>
+                <a:off x="1674400" y="3163894"/>
+                <a:ext cx="281626" cy="281626"/>
+                <a:chOff x="2182967" y="1690687"/>
+                <a:chExt cx="281626" cy="281626"/>
+              </a:xfrm>
+            </p:grpSpPr>
+            <p:cxnSp>
+              <p:nvCxnSpPr>
+                <p:cNvPr id="187" name="Straight Connector 186"/>
+                <p:cNvCxnSpPr/>
+                <p:nvPr/>
+              </p:nvCxnSpPr>
+              <p:spPr>
+                <a:xfrm>
+                  <a:off x="2182967" y="1690687"/>
+                  <a:ext cx="281626" cy="281626"/>
+                </a:xfrm>
+                <a:prstGeom prst="line">
+                  <a:avLst/>
+                </a:prstGeom>
+                <a:ln w="28575">
+                  <a:solidFill>
+                    <a:srgbClr val="FF0000"/>
+                  </a:solidFill>
+                </a:ln>
+              </p:spPr>
+              <p:style>
+                <a:lnRef idx="1">
+                  <a:schemeClr val="accent1"/>
+                </a:lnRef>
+                <a:fillRef idx="0">
+                  <a:schemeClr val="accent1"/>
+                </a:fillRef>
+                <a:effectRef idx="0">
+                  <a:schemeClr val="accent1"/>
+                </a:effectRef>
+                <a:fontRef idx="minor">
+                  <a:schemeClr val="tx1"/>
+                </a:fontRef>
+              </p:style>
+            </p:cxnSp>
+            <p:cxnSp>
+              <p:nvCxnSpPr>
+                <p:cNvPr id="188" name="Straight Connector 187"/>
+                <p:cNvCxnSpPr/>
+                <p:nvPr/>
+              </p:nvCxnSpPr>
+              <p:spPr>
+                <a:xfrm flipH="1">
+                  <a:off x="2182967" y="1690687"/>
+                  <a:ext cx="281626" cy="281626"/>
+                </a:xfrm>
+                <a:prstGeom prst="line">
+                  <a:avLst/>
+                </a:prstGeom>
+                <a:ln w="28575">
+                  <a:solidFill>
+                    <a:srgbClr val="FF0000"/>
+                  </a:solidFill>
+                </a:ln>
+              </p:spPr>
+              <p:style>
+                <a:lnRef idx="1">
+                  <a:schemeClr val="accent1"/>
+                </a:lnRef>
+                <a:fillRef idx="0">
+                  <a:schemeClr val="accent1"/>
+                </a:fillRef>
+                <a:effectRef idx="0">
+                  <a:schemeClr val="accent1"/>
+                </a:effectRef>
+                <a:fontRef idx="minor">
+                  <a:schemeClr val="tx1"/>
+                </a:fontRef>
+              </p:style>
+            </p:cxnSp>
+          </p:grpSp>
+          <p:grpSp>
+            <p:nvGrpSpPr>
+              <p:cNvPr id="189" name="Group 188"/>
+              <p:cNvGrpSpPr/>
+              <p:nvPr/>
+            </p:nvGrpSpPr>
+            <p:grpSpPr>
+              <a:xfrm>
+                <a:off x="1674400" y="3615065"/>
+                <a:ext cx="281626" cy="281626"/>
+                <a:chOff x="2182967" y="1690687"/>
+                <a:chExt cx="281626" cy="281626"/>
+              </a:xfrm>
+            </p:grpSpPr>
+            <p:cxnSp>
+              <p:nvCxnSpPr>
+                <p:cNvPr id="190" name="Straight Connector 189"/>
+                <p:cNvCxnSpPr/>
+                <p:nvPr/>
+              </p:nvCxnSpPr>
+              <p:spPr>
+                <a:xfrm>
+                  <a:off x="2182967" y="1690687"/>
+                  <a:ext cx="281626" cy="281626"/>
+                </a:xfrm>
+                <a:prstGeom prst="line">
+                  <a:avLst/>
+                </a:prstGeom>
+                <a:ln w="28575">
+                  <a:solidFill>
+                    <a:srgbClr val="FF0000"/>
+                  </a:solidFill>
+                </a:ln>
+              </p:spPr>
+              <p:style>
+                <a:lnRef idx="1">
+                  <a:schemeClr val="accent1"/>
+                </a:lnRef>
+                <a:fillRef idx="0">
+                  <a:schemeClr val="accent1"/>
+                </a:fillRef>
+                <a:effectRef idx="0">
+                  <a:schemeClr val="accent1"/>
+                </a:effectRef>
+                <a:fontRef idx="minor">
+                  <a:schemeClr val="tx1"/>
+                </a:fontRef>
+              </p:style>
+            </p:cxnSp>
+            <p:cxnSp>
+              <p:nvCxnSpPr>
+                <p:cNvPr id="191" name="Straight Connector 190"/>
+                <p:cNvCxnSpPr/>
+                <p:nvPr/>
+              </p:nvCxnSpPr>
+              <p:spPr>
+                <a:xfrm flipH="1">
+                  <a:off x="2182967" y="1690687"/>
+                  <a:ext cx="281626" cy="281626"/>
+                </a:xfrm>
+                <a:prstGeom prst="line">
+                  <a:avLst/>
+                </a:prstGeom>
+                <a:ln w="28575">
+                  <a:solidFill>
+                    <a:srgbClr val="FF0000"/>
+                  </a:solidFill>
+                </a:ln>
+              </p:spPr>
+              <p:style>
+                <a:lnRef idx="1">
+                  <a:schemeClr val="accent1"/>
+                </a:lnRef>
+                <a:fillRef idx="0">
+                  <a:schemeClr val="accent1"/>
+                </a:fillRef>
+                <a:effectRef idx="0">
+                  <a:schemeClr val="accent1"/>
+                </a:effectRef>
+                <a:fontRef idx="minor">
+                  <a:schemeClr val="tx1"/>
+                </a:fontRef>
+              </p:style>
+            </p:cxnSp>
+          </p:grpSp>
+          <p:grpSp>
+            <p:nvGrpSpPr>
+              <p:cNvPr id="192" name="Group 191"/>
+              <p:cNvGrpSpPr/>
+              <p:nvPr/>
+            </p:nvGrpSpPr>
+            <p:grpSpPr>
+              <a:xfrm>
+                <a:off x="1674400" y="4065336"/>
+                <a:ext cx="281626" cy="281626"/>
+                <a:chOff x="2182967" y="1690687"/>
+                <a:chExt cx="281626" cy="281626"/>
+              </a:xfrm>
+            </p:grpSpPr>
+            <p:cxnSp>
+              <p:nvCxnSpPr>
+                <p:cNvPr id="193" name="Straight Connector 192"/>
+                <p:cNvCxnSpPr/>
+                <p:nvPr/>
+              </p:nvCxnSpPr>
+              <p:spPr>
+                <a:xfrm>
+                  <a:off x="2182967" y="1690687"/>
+                  <a:ext cx="281626" cy="281626"/>
+                </a:xfrm>
+                <a:prstGeom prst="line">
+                  <a:avLst/>
+                </a:prstGeom>
+                <a:ln w="28575">
+                  <a:solidFill>
+                    <a:srgbClr val="FF0000"/>
+                  </a:solidFill>
+                </a:ln>
+              </p:spPr>
+              <p:style>
+                <a:lnRef idx="1">
+                  <a:schemeClr val="accent1"/>
+                </a:lnRef>
+                <a:fillRef idx="0">
+                  <a:schemeClr val="accent1"/>
+                </a:fillRef>
+                <a:effectRef idx="0">
+                  <a:schemeClr val="accent1"/>
+                </a:effectRef>
+                <a:fontRef idx="minor">
+                  <a:schemeClr val="tx1"/>
+                </a:fontRef>
+              </p:style>
+            </p:cxnSp>
+            <p:cxnSp>
+              <p:nvCxnSpPr>
+                <p:cNvPr id="194" name="Straight Connector 193"/>
+                <p:cNvCxnSpPr/>
+                <p:nvPr/>
+              </p:nvCxnSpPr>
+              <p:spPr>
+                <a:xfrm flipH="1">
+                  <a:off x="2182967" y="1690687"/>
+                  <a:ext cx="281626" cy="281626"/>
+                </a:xfrm>
+                <a:prstGeom prst="line">
+                  <a:avLst/>
+                </a:prstGeom>
+                <a:ln w="28575">
+                  <a:solidFill>
+                    <a:srgbClr val="FF0000"/>
+                  </a:solidFill>
+                </a:ln>
+              </p:spPr>
+              <p:style>
+                <a:lnRef idx="1">
+                  <a:schemeClr val="accent1"/>
+                </a:lnRef>
+                <a:fillRef idx="0">
+                  <a:schemeClr val="accent1"/>
+                </a:fillRef>
+                <a:effectRef idx="0">
+                  <a:schemeClr val="accent1"/>
+                </a:effectRef>
+                <a:fontRef idx="minor">
+                  <a:schemeClr val="tx1"/>
+                </a:fontRef>
+              </p:style>
+            </p:cxnSp>
+          </p:grpSp>
+          <p:grpSp>
+            <p:nvGrpSpPr>
+              <p:cNvPr id="195" name="Group 194"/>
+              <p:cNvGrpSpPr/>
+              <p:nvPr/>
+            </p:nvGrpSpPr>
+            <p:grpSpPr>
+              <a:xfrm>
+                <a:off x="1674400" y="4517515"/>
+                <a:ext cx="281626" cy="281626"/>
+                <a:chOff x="2182967" y="1690687"/>
+                <a:chExt cx="281626" cy="281626"/>
+              </a:xfrm>
+            </p:grpSpPr>
+            <p:cxnSp>
+              <p:nvCxnSpPr>
+                <p:cNvPr id="196" name="Straight Connector 195"/>
+                <p:cNvCxnSpPr/>
+                <p:nvPr/>
+              </p:nvCxnSpPr>
+              <p:spPr>
+                <a:xfrm>
+                  <a:off x="2182967" y="1690687"/>
+                  <a:ext cx="281626" cy="281626"/>
+                </a:xfrm>
+                <a:prstGeom prst="line">
+                  <a:avLst/>
+                </a:prstGeom>
+                <a:ln w="28575">
+                  <a:solidFill>
+                    <a:srgbClr val="FF0000"/>
+                  </a:solidFill>
+                </a:ln>
+              </p:spPr>
+              <p:style>
+                <a:lnRef idx="1">
+                  <a:schemeClr val="accent1"/>
+                </a:lnRef>
+                <a:fillRef idx="0">
+                  <a:schemeClr val="accent1"/>
+                </a:fillRef>
+                <a:effectRef idx="0">
+                  <a:schemeClr val="accent1"/>
+                </a:effectRef>
+                <a:fontRef idx="minor">
+                  <a:schemeClr val="tx1"/>
+                </a:fontRef>
+              </p:style>
+            </p:cxnSp>
+            <p:cxnSp>
+              <p:nvCxnSpPr>
+                <p:cNvPr id="197" name="Straight Connector 196"/>
+                <p:cNvCxnSpPr/>
+                <p:nvPr/>
+              </p:nvCxnSpPr>
+              <p:spPr>
+                <a:xfrm flipH="1">
+                  <a:off x="2182967" y="1690687"/>
+                  <a:ext cx="281626" cy="281626"/>
+                </a:xfrm>
+                <a:prstGeom prst="line">
+                  <a:avLst/>
+                </a:prstGeom>
+                <a:ln w="28575">
+                  <a:solidFill>
+                    <a:srgbClr val="FF0000"/>
+                  </a:solidFill>
+                </a:ln>
+              </p:spPr>
+              <p:style>
+                <a:lnRef idx="1">
+                  <a:schemeClr val="accent1"/>
+                </a:lnRef>
+                <a:fillRef idx="0">
+                  <a:schemeClr val="accent1"/>
+                </a:fillRef>
+                <a:effectRef idx="0">
+                  <a:schemeClr val="accent1"/>
+                </a:effectRef>
+                <a:fontRef idx="minor">
+                  <a:schemeClr val="tx1"/>
+                </a:fontRef>
+              </p:style>
+            </p:cxnSp>
+          </p:grpSp>
+          <p:grpSp>
+            <p:nvGrpSpPr>
+              <p:cNvPr id="234" name="Group 233"/>
+              <p:cNvGrpSpPr/>
+              <p:nvPr/>
+            </p:nvGrpSpPr>
+            <p:grpSpPr>
+              <a:xfrm>
+                <a:off x="4002288" y="2270126"/>
+                <a:ext cx="306388" cy="306388"/>
+                <a:chOff x="2615086" y="1678306"/>
+                <a:chExt cx="306388" cy="306388"/>
+              </a:xfrm>
+            </p:grpSpPr>
+            <p:cxnSp>
+              <p:nvCxnSpPr>
+                <p:cNvPr id="235" name="Straight Connector 234"/>
+                <p:cNvCxnSpPr/>
+                <p:nvPr/>
+              </p:nvCxnSpPr>
+              <p:spPr>
+                <a:xfrm>
+                  <a:off x="2768280" y="1678306"/>
+                  <a:ext cx="0" cy="306388"/>
+                </a:xfrm>
+                <a:prstGeom prst="line">
+                  <a:avLst/>
+                </a:prstGeom>
+                <a:ln w="28575">
+                  <a:solidFill>
+                    <a:schemeClr val="tx1"/>
+                  </a:solidFill>
+                </a:ln>
+              </p:spPr>
+              <p:style>
+                <a:lnRef idx="1">
+                  <a:schemeClr val="accent1"/>
+                </a:lnRef>
+                <a:fillRef idx="0">
+                  <a:schemeClr val="accent1"/>
+                </a:fillRef>
+                <a:effectRef idx="0">
+                  <a:schemeClr val="accent1"/>
+                </a:effectRef>
+                <a:fontRef idx="minor">
+                  <a:schemeClr val="tx1"/>
+                </a:fontRef>
+              </p:style>
+            </p:cxnSp>
+            <p:cxnSp>
+              <p:nvCxnSpPr>
+                <p:cNvPr id="236" name="Straight Connector 235"/>
+                <p:cNvCxnSpPr/>
+                <p:nvPr/>
+              </p:nvCxnSpPr>
+              <p:spPr>
+                <a:xfrm rot="16200000">
+                  <a:off x="2768280" y="1671481"/>
+                  <a:ext cx="0" cy="306388"/>
+                </a:xfrm>
+                <a:prstGeom prst="line">
+                  <a:avLst/>
+                </a:prstGeom>
+                <a:ln w="28575">
+                  <a:solidFill>
+                    <a:schemeClr val="tx1"/>
+                  </a:solidFill>
+                </a:ln>
+              </p:spPr>
+              <p:style>
+                <a:lnRef idx="1">
+                  <a:schemeClr val="accent1"/>
+                </a:lnRef>
+                <a:fillRef idx="0">
+                  <a:schemeClr val="accent1"/>
+                </a:fillRef>
+                <a:effectRef idx="0">
+                  <a:schemeClr val="accent1"/>
+                </a:effectRef>
+                <a:fontRef idx="minor">
+                  <a:schemeClr val="tx1"/>
+                </a:fontRef>
+              </p:style>
+            </p:cxnSp>
+          </p:grpSp>
+          <p:grpSp>
+            <p:nvGrpSpPr>
+              <p:cNvPr id="237" name="Group 236"/>
+              <p:cNvGrpSpPr/>
+              <p:nvPr/>
+            </p:nvGrpSpPr>
+            <p:grpSpPr>
+              <a:xfrm>
+                <a:off x="4002288" y="2720976"/>
+                <a:ext cx="306388" cy="306388"/>
+                <a:chOff x="2615086" y="1678306"/>
+                <a:chExt cx="306388" cy="306388"/>
+              </a:xfrm>
+            </p:grpSpPr>
+            <p:cxnSp>
+              <p:nvCxnSpPr>
+                <p:cNvPr id="238" name="Straight Connector 237"/>
+                <p:cNvCxnSpPr/>
+                <p:nvPr/>
+              </p:nvCxnSpPr>
+              <p:spPr>
+                <a:xfrm>
+                  <a:off x="2768280" y="1678306"/>
+                  <a:ext cx="0" cy="306388"/>
+                </a:xfrm>
+                <a:prstGeom prst="line">
+                  <a:avLst/>
+                </a:prstGeom>
+                <a:ln w="28575">
+                  <a:solidFill>
+                    <a:schemeClr val="tx1"/>
+                  </a:solidFill>
+                </a:ln>
+              </p:spPr>
+              <p:style>
+                <a:lnRef idx="1">
+                  <a:schemeClr val="accent1"/>
+                </a:lnRef>
+                <a:fillRef idx="0">
+                  <a:schemeClr val="accent1"/>
+                </a:fillRef>
+                <a:effectRef idx="0">
+                  <a:schemeClr val="accent1"/>
+                </a:effectRef>
+                <a:fontRef idx="minor">
+                  <a:schemeClr val="tx1"/>
+                </a:fontRef>
+              </p:style>
+            </p:cxnSp>
+            <p:cxnSp>
+              <p:nvCxnSpPr>
+                <p:cNvPr id="239" name="Straight Connector 238"/>
+                <p:cNvCxnSpPr/>
+                <p:nvPr/>
+              </p:nvCxnSpPr>
+              <p:spPr>
+                <a:xfrm rot="16200000">
+                  <a:off x="2768280" y="1671481"/>
+                  <a:ext cx="0" cy="306388"/>
+                </a:xfrm>
+                <a:prstGeom prst="line">
+                  <a:avLst/>
+                </a:prstGeom>
+                <a:ln w="28575">
+                  <a:solidFill>
+                    <a:schemeClr val="tx1"/>
+                  </a:solidFill>
+                </a:ln>
+              </p:spPr>
+              <p:style>
+                <a:lnRef idx="1">
+                  <a:schemeClr val="accent1"/>
+                </a:lnRef>
+                <a:fillRef idx="0">
+                  <a:schemeClr val="accent1"/>
+                </a:fillRef>
+                <a:effectRef idx="0">
+                  <a:schemeClr val="accent1"/>
+                </a:effectRef>
+                <a:fontRef idx="minor">
+                  <a:schemeClr val="tx1"/>
+                </a:fontRef>
+              </p:style>
+            </p:cxnSp>
+          </p:grpSp>
+          <p:grpSp>
+            <p:nvGrpSpPr>
+              <p:cNvPr id="240" name="Group 239"/>
+              <p:cNvGrpSpPr/>
+              <p:nvPr/>
+            </p:nvGrpSpPr>
+            <p:grpSpPr>
+              <a:xfrm>
+                <a:off x="4002288" y="3178176"/>
+                <a:ext cx="306388" cy="306388"/>
+                <a:chOff x="2615086" y="1678306"/>
+                <a:chExt cx="306388" cy="306388"/>
+              </a:xfrm>
+            </p:grpSpPr>
+            <p:cxnSp>
+              <p:nvCxnSpPr>
+                <p:cNvPr id="241" name="Straight Connector 240"/>
+                <p:cNvCxnSpPr/>
+                <p:nvPr/>
+              </p:nvCxnSpPr>
+              <p:spPr>
+                <a:xfrm>
+                  <a:off x="2768280" y="1678306"/>
+                  <a:ext cx="0" cy="306388"/>
+                </a:xfrm>
+                <a:prstGeom prst="line">
+                  <a:avLst/>
+                </a:prstGeom>
+                <a:ln w="28575">
+                  <a:solidFill>
+                    <a:schemeClr val="tx1"/>
+                  </a:solidFill>
+                </a:ln>
+              </p:spPr>
+              <p:style>
+                <a:lnRef idx="1">
+                  <a:schemeClr val="accent1"/>
+                </a:lnRef>
+                <a:fillRef idx="0">
+                  <a:schemeClr val="accent1"/>
+                </a:fillRef>
+                <a:effectRef idx="0">
+                  <a:schemeClr val="accent1"/>
+                </a:effectRef>
+                <a:fontRef idx="minor">
+                  <a:schemeClr val="tx1"/>
+                </a:fontRef>
+              </p:style>
+            </p:cxnSp>
+            <p:cxnSp>
+              <p:nvCxnSpPr>
+                <p:cNvPr id="242" name="Straight Connector 241"/>
+                <p:cNvCxnSpPr/>
+                <p:nvPr/>
+              </p:nvCxnSpPr>
+              <p:spPr>
+                <a:xfrm rot="16200000">
+                  <a:off x="2768280" y="1671481"/>
+                  <a:ext cx="0" cy="306388"/>
+                </a:xfrm>
+                <a:prstGeom prst="line">
+                  <a:avLst/>
+                </a:prstGeom>
+                <a:ln w="28575">
+                  <a:solidFill>
+                    <a:schemeClr val="tx1"/>
+                  </a:solidFill>
+                </a:ln>
+              </p:spPr>
+              <p:style>
+                <a:lnRef idx="1">
+                  <a:schemeClr val="accent1"/>
+                </a:lnRef>
+                <a:fillRef idx="0">
+                  <a:schemeClr val="accent1"/>
+                </a:fillRef>
+                <a:effectRef idx="0">
+                  <a:schemeClr val="accent1"/>
+                </a:effectRef>
+                <a:fontRef idx="minor">
+                  <a:schemeClr val="tx1"/>
+                </a:fontRef>
+              </p:style>
+            </p:cxnSp>
+          </p:grpSp>
+          <p:grpSp>
+            <p:nvGrpSpPr>
+              <p:cNvPr id="243" name="Group 242"/>
+              <p:cNvGrpSpPr/>
+              <p:nvPr/>
+            </p:nvGrpSpPr>
+            <p:grpSpPr>
+              <a:xfrm>
+                <a:off x="4002288" y="3622676"/>
+                <a:ext cx="306388" cy="306388"/>
+                <a:chOff x="2615086" y="1678306"/>
+                <a:chExt cx="306388" cy="306388"/>
+              </a:xfrm>
+            </p:grpSpPr>
+            <p:cxnSp>
+              <p:nvCxnSpPr>
+                <p:cNvPr id="244" name="Straight Connector 243"/>
+                <p:cNvCxnSpPr/>
+                <p:nvPr/>
+              </p:nvCxnSpPr>
+              <p:spPr>
+                <a:xfrm>
+                  <a:off x="2768280" y="1678306"/>
+                  <a:ext cx="0" cy="306388"/>
+                </a:xfrm>
+                <a:prstGeom prst="line">
+                  <a:avLst/>
+                </a:prstGeom>
+                <a:ln w="28575">
+                  <a:solidFill>
+                    <a:schemeClr val="tx1"/>
+                  </a:solidFill>
+                </a:ln>
+              </p:spPr>
+              <p:style>
+                <a:lnRef idx="1">
+                  <a:schemeClr val="accent1"/>
+                </a:lnRef>
+                <a:fillRef idx="0">
+                  <a:schemeClr val="accent1"/>
+                </a:fillRef>
+                <a:effectRef idx="0">
+                  <a:schemeClr val="accent1"/>
+                </a:effectRef>
+                <a:fontRef idx="minor">
+                  <a:schemeClr val="tx1"/>
+                </a:fontRef>
+              </p:style>
+            </p:cxnSp>
+            <p:cxnSp>
+              <p:nvCxnSpPr>
+                <p:cNvPr id="245" name="Straight Connector 244"/>
+                <p:cNvCxnSpPr/>
+                <p:nvPr/>
+              </p:nvCxnSpPr>
+              <p:spPr>
+                <a:xfrm rot="16200000">
+                  <a:off x="2768280" y="1671481"/>
+                  <a:ext cx="0" cy="306388"/>
+                </a:xfrm>
+                <a:prstGeom prst="line">
+                  <a:avLst/>
+                </a:prstGeom>
+                <a:ln w="28575">
+                  <a:solidFill>
+                    <a:schemeClr val="tx1"/>
+                  </a:solidFill>
+                </a:ln>
+              </p:spPr>
+              <p:style>
+                <a:lnRef idx="1">
+                  <a:schemeClr val="accent1"/>
+                </a:lnRef>
+                <a:fillRef idx="0">
+                  <a:schemeClr val="accent1"/>
+                </a:fillRef>
+                <a:effectRef idx="0">
+                  <a:schemeClr val="accent1"/>
+                </a:effectRef>
+                <a:fontRef idx="minor">
+                  <a:schemeClr val="tx1"/>
+                </a:fontRef>
+              </p:style>
+            </p:cxnSp>
+          </p:grpSp>
+          <p:grpSp>
+            <p:nvGrpSpPr>
+              <p:cNvPr id="246" name="Group 245"/>
+              <p:cNvGrpSpPr/>
+              <p:nvPr/>
+            </p:nvGrpSpPr>
+            <p:grpSpPr>
+              <a:xfrm>
+                <a:off x="4002288" y="4067391"/>
+                <a:ext cx="306388" cy="306388"/>
+                <a:chOff x="2615086" y="1678306"/>
+                <a:chExt cx="306388" cy="306388"/>
+              </a:xfrm>
+            </p:grpSpPr>
+            <p:cxnSp>
+              <p:nvCxnSpPr>
+                <p:cNvPr id="247" name="Straight Connector 246"/>
+                <p:cNvCxnSpPr/>
+                <p:nvPr/>
+              </p:nvCxnSpPr>
+              <p:spPr>
+                <a:xfrm>
+                  <a:off x="2768280" y="1678306"/>
+                  <a:ext cx="0" cy="306388"/>
+                </a:xfrm>
+                <a:prstGeom prst="line">
+                  <a:avLst/>
+                </a:prstGeom>
+                <a:ln w="28575">
+                  <a:solidFill>
+                    <a:schemeClr val="tx1"/>
+                  </a:solidFill>
+                </a:ln>
+              </p:spPr>
+              <p:style>
+                <a:lnRef idx="1">
+                  <a:schemeClr val="accent1"/>
+                </a:lnRef>
+                <a:fillRef idx="0">
+                  <a:schemeClr val="accent1"/>
+                </a:fillRef>
+                <a:effectRef idx="0">
+                  <a:schemeClr val="accent1"/>
+                </a:effectRef>
+                <a:fontRef idx="minor">
+                  <a:schemeClr val="tx1"/>
+                </a:fontRef>
+              </p:style>
+            </p:cxnSp>
+            <p:cxnSp>
+              <p:nvCxnSpPr>
+                <p:cNvPr id="248" name="Straight Connector 247"/>
+                <p:cNvCxnSpPr/>
+                <p:nvPr/>
+              </p:nvCxnSpPr>
+              <p:spPr>
+                <a:xfrm rot="16200000">
+                  <a:off x="2768280" y="1671481"/>
+                  <a:ext cx="0" cy="306388"/>
+                </a:xfrm>
+                <a:prstGeom prst="line">
+                  <a:avLst/>
+                </a:prstGeom>
+                <a:ln w="28575">
+                  <a:solidFill>
+                    <a:schemeClr val="tx1"/>
+                  </a:solidFill>
+                </a:ln>
+              </p:spPr>
+              <p:style>
+                <a:lnRef idx="1">
+                  <a:schemeClr val="accent1"/>
+                </a:lnRef>
+                <a:fillRef idx="0">
+                  <a:schemeClr val="accent1"/>
+                </a:fillRef>
+                <a:effectRef idx="0">
+                  <a:schemeClr val="accent1"/>
+                </a:effectRef>
+                <a:fontRef idx="minor">
+                  <a:schemeClr val="tx1"/>
+                </a:fontRef>
+              </p:style>
+            </p:cxnSp>
+          </p:grpSp>
+          <p:grpSp>
+            <p:nvGrpSpPr>
+              <p:cNvPr id="249" name="Group 248"/>
+              <p:cNvGrpSpPr/>
+              <p:nvPr/>
+            </p:nvGrpSpPr>
+            <p:grpSpPr>
+              <a:xfrm>
+                <a:off x="4002288" y="4513162"/>
+                <a:ext cx="306388" cy="306388"/>
+                <a:chOff x="2615086" y="1678306"/>
+                <a:chExt cx="306388" cy="306388"/>
+              </a:xfrm>
+            </p:grpSpPr>
+            <p:cxnSp>
+              <p:nvCxnSpPr>
+                <p:cNvPr id="250" name="Straight Connector 249"/>
+                <p:cNvCxnSpPr/>
+                <p:nvPr/>
+              </p:nvCxnSpPr>
+              <p:spPr>
+                <a:xfrm>
+                  <a:off x="2768280" y="1678306"/>
+                  <a:ext cx="0" cy="306388"/>
+                </a:xfrm>
+                <a:prstGeom prst="line">
+                  <a:avLst/>
+                </a:prstGeom>
+                <a:ln w="28575">
+                  <a:solidFill>
+                    <a:schemeClr val="tx1"/>
+                  </a:solidFill>
+                </a:ln>
+              </p:spPr>
+              <p:style>
+                <a:lnRef idx="1">
+                  <a:schemeClr val="accent1"/>
+                </a:lnRef>
+                <a:fillRef idx="0">
+                  <a:schemeClr val="accent1"/>
+                </a:fillRef>
+                <a:effectRef idx="0">
+                  <a:schemeClr val="accent1"/>
+                </a:effectRef>
+                <a:fontRef idx="minor">
+                  <a:schemeClr val="tx1"/>
+                </a:fontRef>
+              </p:style>
+            </p:cxnSp>
+            <p:cxnSp>
+              <p:nvCxnSpPr>
+                <p:cNvPr id="251" name="Straight Connector 250"/>
+                <p:cNvCxnSpPr/>
+                <p:nvPr/>
+              </p:nvCxnSpPr>
+              <p:spPr>
+                <a:xfrm rot="16200000">
+                  <a:off x="2768280" y="1671481"/>
+                  <a:ext cx="0" cy="306388"/>
+                </a:xfrm>
+                <a:prstGeom prst="line">
+                  <a:avLst/>
+                </a:prstGeom>
+                <a:ln w="28575">
+                  <a:solidFill>
+                    <a:schemeClr val="tx1"/>
+                  </a:solidFill>
+                </a:ln>
+              </p:spPr>
+              <p:style>
+                <a:lnRef idx="1">
+                  <a:schemeClr val="accent1"/>
+                </a:lnRef>
+                <a:fillRef idx="0">
+                  <a:schemeClr val="accent1"/>
+                </a:fillRef>
+                <a:effectRef idx="0">
+                  <a:schemeClr val="accent1"/>
+                </a:effectRef>
+                <a:fontRef idx="minor">
+                  <a:schemeClr val="tx1"/>
+                </a:fontRef>
+              </p:style>
+            </p:cxnSp>
+          </p:grpSp>
+          <p:sp>
+            <p:nvSpPr>
+              <p:cNvPr id="372" name="TextBox 371"/>
+              <p:cNvSpPr txBox="1"/>
+              <p:nvPr/>
+            </p:nvSpPr>
+            <p:spPr>
+              <a:xfrm>
+                <a:off x="483284" y="6263407"/>
+                <a:ext cx="5345553" cy="929980"/>
+              </a:xfrm>
+              <a:prstGeom prst="rect">
+                <a:avLst/>
+              </a:prstGeom>
+              <a:noFill/>
+            </p:spPr>
+            <p:txBody>
+              <a:bodyPr wrap="square" rtlCol="0">
+                <a:spAutoFit/>
+              </a:bodyPr>
+              <a:lstStyle/>
+              <a:p>
+                <a:pPr algn="ctr"/>
+                <a:r>
+                  <a:rPr lang="en-US" sz="2400" dirty="0" smtClean="0"/>
+                  <a:t>Scan direction</a:t>
+                </a:r>
+                <a:endParaRPr lang="en-US" sz="2400" dirty="0"/>
+              </a:p>
+            </p:txBody>
+          </p:sp>
+          <p:cxnSp>
+            <p:nvCxnSpPr>
+              <p:cNvPr id="373" name="Straight Arrow Connector 372"/>
+              <p:cNvCxnSpPr/>
+              <p:nvPr/>
+            </p:nvCxnSpPr>
+            <p:spPr>
+              <a:xfrm>
+                <a:off x="1985647" y="6280020"/>
+                <a:ext cx="2028948" cy="0"/>
+              </a:xfrm>
+              <a:prstGeom prst="straightConnector1">
+                <a:avLst/>
+              </a:prstGeom>
+              <a:ln w="38100">
+                <a:solidFill>
+                  <a:srgbClr val="C0504D"/>
+                </a:solidFill>
+                <a:headEnd type="triangle" w="med" len="med"/>
+                <a:tailEnd type="triangle" w="med" len="med"/>
+              </a:ln>
+              <a:effectLst/>
+            </p:spPr>
+            <p:style>
+              <a:lnRef idx="3">
+                <a:schemeClr val="accent2"/>
+              </a:lnRef>
+              <a:fillRef idx="0">
+                <a:schemeClr val="accent2"/>
+              </a:fillRef>
+              <a:effectRef idx="2">
+                <a:schemeClr val="accent2"/>
+              </a:effectRef>
+              <a:fontRef idx="minor">
+                <a:schemeClr val="tx1"/>
+              </a:fontRef>
+            </p:style>
+          </p:cxnSp>
+        </p:grpSp>
+        <p:grpSp>
+          <p:nvGrpSpPr>
+            <p:cNvPr id="198" name="Group 197"/>
+            <p:cNvGrpSpPr/>
+            <p:nvPr/>
+          </p:nvGrpSpPr>
+          <p:grpSpPr>
+            <a:xfrm>
+              <a:off x="-959509" y="784828"/>
+              <a:ext cx="7187261" cy="4153639"/>
+              <a:chOff x="-969341" y="-434340"/>
+              <a:chExt cx="7187261" cy="4153639"/>
+            </a:xfrm>
+          </p:grpSpPr>
+          <p:pic>
+            <p:nvPicPr>
+              <p:cNvPr id="199" name="Picture 3" descr="Z:\Documents\CMB-Probe\SPIE_June2018\SPIE_optics_paper\editing_images\version3_no_strehl_all_pixel_colors.PNG"/>
+              <p:cNvPicPr>
+                <a:picLocks noChangeAspect="1" noChangeArrowheads="1"/>
+              </p:cNvPicPr>
+              <p:nvPr/>
+            </p:nvPicPr>
+            <p:blipFill>
+              <a:blip r:embed="rId3" cstate="print">
+                <a:extLst>
+                  <a:ext uri="{28A0092B-C50C-407E-A947-70E740481C1C}">
+                    <a14:useLocalDpi xmlns:a14="http://schemas.microsoft.com/office/drawing/2010/main" val="0"/>
+                  </a:ext>
+                </a:extLst>
+              </a:blip>
+              <a:srcRect/>
+              <a:stretch>
+                <a:fillRect/>
+              </a:stretch>
+            </p:blipFill>
+            <p:spPr bwMode="auto">
+              <a:xfrm>
+                <a:off x="-969341" y="-280522"/>
+                <a:ext cx="6497655" cy="3898135"/>
+              </a:xfrm>
+              <a:prstGeom prst="rect">
+                <a:avLst/>
+              </a:prstGeom>
+              <a:noFill/>
+              <a:extLst>
+                <a:ext uri="{909E8E84-426E-40DD-AFC4-6F175D3DCCD1}">
+                  <a14:hiddenFill xmlns:a14="http://schemas.microsoft.com/office/drawing/2010/main">
+                    <a:solidFill>
+                      <a:srgbClr val="FFFFFF"/>
+                    </a:solidFill>
+                  </a14:hiddenFill>
+                </a:ext>
+              </a:extLst>
+            </p:spPr>
+          </p:pic>
+          <p:pic>
+            <p:nvPicPr>
+              <p:cNvPr id="200" name="Picture 2" descr="Z:\Documents\CMB-Probe\optics_strehls\output\jpl_zrn_OpenDragone.png"/>
+              <p:cNvPicPr>
+                <a:picLocks noChangeAspect="1" noChangeArrowheads="1"/>
+              </p:cNvPicPr>
+              <p:nvPr/>
+            </p:nvPicPr>
+            <p:blipFill rotWithShape="1">
+              <a:blip r:embed="rId4" cstate="print">
+                <a:extLst>
+                  <a:ext uri="{28A0092B-C50C-407E-A947-70E740481C1C}">
+                    <a14:useLocalDpi xmlns:a14="http://schemas.microsoft.com/office/drawing/2010/main" val="0"/>
+                  </a:ext>
+                </a:extLst>
+              </a:blip>
+              <a:srcRect l="13746" t="21666" r="11380" b="21974"/>
+              <a:stretch/>
+            </p:blipFill>
+            <p:spPr bwMode="auto">
+              <a:xfrm>
+                <a:off x="-838200" y="-434340"/>
+                <a:ext cx="7056120" cy="3984213"/>
+              </a:xfrm>
+              <a:prstGeom prst="rect">
+                <a:avLst/>
+              </a:prstGeom>
+              <a:noFill/>
+              <a:extLst>
+                <a:ext uri="{909E8E84-426E-40DD-AFC4-6F175D3DCCD1}">
+                  <a14:hiddenFill xmlns:a14="http://schemas.microsoft.com/office/drawing/2010/main">
+                    <a:solidFill>
+                      <a:srgbClr val="FFFFFF"/>
+                    </a:solidFill>
+                  </a14:hiddenFill>
+                </a:ext>
+              </a:extLst>
+            </p:spPr>
+          </p:pic>
+          <p:cxnSp>
+            <p:nvCxnSpPr>
+              <p:cNvPr id="201" name="Straight Connector 200"/>
+              <p:cNvCxnSpPr/>
+              <p:nvPr/>
+            </p:nvCxnSpPr>
+            <p:spPr>
+              <a:xfrm>
+                <a:off x="304800" y="3410927"/>
+                <a:ext cx="4750817" cy="0"/>
+              </a:xfrm>
+              <a:prstGeom prst="line">
+                <a:avLst/>
+              </a:prstGeom>
+              <a:ln w="12700">
+                <a:headEnd type="triangle" w="med" len="med"/>
+                <a:tailEnd type="triangle" w="med" len="med"/>
+              </a:ln>
+              <a:effectLst/>
+            </p:spPr>
+            <p:style>
+              <a:lnRef idx="2">
+                <a:schemeClr val="dk1"/>
+              </a:lnRef>
+              <a:fillRef idx="0">
+                <a:schemeClr val="dk1"/>
+              </a:fillRef>
+              <a:effectRef idx="1">
+                <a:schemeClr val="dk1"/>
+              </a:effectRef>
+              <a:fontRef idx="minor">
+                <a:schemeClr val="tx1"/>
+              </a:fontRef>
+            </p:style>
+          </p:cxnSp>
+          <p:cxnSp>
+            <p:nvCxnSpPr>
+              <p:cNvPr id="202" name="Straight Connector 201"/>
+              <p:cNvCxnSpPr/>
+              <p:nvPr/>
+            </p:nvCxnSpPr>
+            <p:spPr>
+              <a:xfrm>
+                <a:off x="5189220" y="79849"/>
+                <a:ext cx="0" cy="3211520"/>
+              </a:xfrm>
+              <a:prstGeom prst="line">
+                <a:avLst/>
+              </a:prstGeom>
+              <a:ln w="12700">
+                <a:headEnd type="triangle" w="med" len="med"/>
+                <a:tailEnd type="triangle" w="med" len="med"/>
+              </a:ln>
+              <a:effectLst/>
+            </p:spPr>
+            <p:style>
+              <a:lnRef idx="2">
+                <a:schemeClr val="dk1"/>
+              </a:lnRef>
+              <a:fillRef idx="0">
+                <a:schemeClr val="dk1"/>
+              </a:fillRef>
+              <a:effectRef idx="1">
+                <a:schemeClr val="dk1"/>
+              </a:effectRef>
+              <a:fontRef idx="minor">
+                <a:schemeClr val="tx1"/>
+              </a:fontRef>
+            </p:style>
+          </p:cxnSp>
+          <p:sp>
+            <p:nvSpPr>
+              <p:cNvPr id="203" name="TextBox 202"/>
+              <p:cNvSpPr txBox="1"/>
+              <p:nvPr/>
+            </p:nvSpPr>
+            <p:spPr>
+              <a:xfrm>
+                <a:off x="1760220" y="3349967"/>
+                <a:ext cx="1981200" cy="369332"/>
+              </a:xfrm>
+              <a:prstGeom prst="rect">
+                <a:avLst/>
+              </a:prstGeom>
+              <a:noFill/>
+            </p:spPr>
+            <p:txBody>
+              <a:bodyPr wrap="square" rtlCol="0">
+                <a:spAutoFit/>
+              </a:bodyPr>
+              <a:lstStyle/>
+              <a:p>
+                <a:pPr algn="ctr"/>
+                <a:r>
+                  <a:rPr lang="en-US" sz="1800" b="1" dirty="0" smtClean="0"/>
+                  <a:t>69 cm</a:t>
+                </a:r>
+                <a:endParaRPr lang="en-US" sz="1800" b="1" dirty="0"/>
+              </a:p>
+            </p:txBody>
+          </p:sp>
+          <p:sp>
+            <p:nvSpPr>
+              <p:cNvPr id="204" name="TextBox 203"/>
+              <p:cNvSpPr txBox="1"/>
+              <p:nvPr/>
+            </p:nvSpPr>
+            <p:spPr>
+              <a:xfrm rot="16200000">
+                <a:off x="4314706" y="1534622"/>
+                <a:ext cx="1981200" cy="369332"/>
+              </a:xfrm>
+              <a:prstGeom prst="rect">
+                <a:avLst/>
+              </a:prstGeom>
+              <a:noFill/>
+            </p:spPr>
+            <p:txBody>
+              <a:bodyPr wrap="square" rtlCol="0">
+                <a:spAutoFit/>
+              </a:bodyPr>
+              <a:lstStyle/>
+              <a:p>
+                <a:pPr algn="ctr"/>
+                <a:r>
+                  <a:rPr lang="en-US" sz="1800" b="1" dirty="0" smtClean="0"/>
+                  <a:t>45 cm</a:t>
+                </a:r>
+                <a:endParaRPr lang="en-US" sz="1800" b="1" dirty="0"/>
+              </a:p>
+            </p:txBody>
+          </p:sp>
+        </p:grpSp>
+      </p:grpSp>
+    </p:spTree>
+    <p:extLst>
+      <p:ext uri="{BB962C8B-B14F-4D97-AF65-F5344CB8AC3E}">
+        <p14:creationId xmlns:p14="http://schemas.microsoft.com/office/powerpoint/2010/main" val="757220709"/>
+      </p:ext>
+    </p:extLst>
+  </p:cSld>
+  <p:clrMapOvr>
+    <a:masterClrMapping/>
+  </p:clrMapOvr>
+</p:sld>
+</file>
+
 <file path=ppt/theme/theme1.xml><?xml version="1.0" encoding="utf-8"?>
 <a:theme xmlns:a="http://schemas.openxmlformats.org/drawingml/2006/main" name="Office Theme">
   <a:themeElements>
@@ -8534,7 +14107,7 @@
   <a:extraClrSchemeLst/>
   <a:extLst>
     <a:ext uri="{05A4C25C-085E-4340-85A3-A5531E510DB2}">
-      <thm15:themeFamily xmlns:thm15="http://schemas.microsoft.com/office/thememl/2012/main" xmlns="" name="Office Theme" id="{62F939B6-93AF-4DB8-9C6B-D6C7DFDC589F}" vid="{4A3C46E8-61CC-4603-A589-7422A47A8E4A}"/>
+      <thm15:themeFamily xmlns="" xmlns:thm15="http://schemas.microsoft.com/office/thememl/2012/main" name="Office Theme" id="{62F939B6-93AF-4DB8-9C6B-D6C7DFDC589F}" vid="{4A3C46E8-61CC-4603-A589-7422A47A8E4A}"/>
     </a:ext>
   </a:extLst>
 </a:theme>
